--- a/sqlite/sqliteDemo/sqlite教學.pptx
+++ b/sqlite/sqliteDemo/sqlite教學.pptx
@@ -3,19 +3,21 @@
 <p:presentation xmlns:a="http://schemas.openxmlformats.org/drawingml/2006/main" xmlns:p="http://schemas.openxmlformats.org/presentationml/2006/main" xmlns:r="http://schemas.openxmlformats.org/officeDocument/2006/relationships">
   <p:sldMasterIdLst>
     <p:sldMasterId id="2147483648" r:id="rId2"/>
+    <p:sldMasterId id="2147483661" r:id="rId3"/>
+    <p:sldMasterId id="2147483674" r:id="rId4"/>
   </p:sldMasterIdLst>
   <p:sldIdLst>
-    <p:sldId id="256" r:id="rId3"/>
-    <p:sldId id="257" r:id="rId4"/>
-    <p:sldId id="258" r:id="rId5"/>
-    <p:sldId id="259" r:id="rId6"/>
-    <p:sldId id="260" r:id="rId7"/>
-    <p:sldId id="261" r:id="rId8"/>
-    <p:sldId id="262" r:id="rId9"/>
-    <p:sldId id="263" r:id="rId10"/>
-    <p:sldId id="264" r:id="rId11"/>
-    <p:sldId id="265" r:id="rId12"/>
-    <p:sldId id="266" r:id="rId13"/>
+    <p:sldId id="256" r:id="rId5"/>
+    <p:sldId id="257" r:id="rId6"/>
+    <p:sldId id="258" r:id="rId7"/>
+    <p:sldId id="259" r:id="rId8"/>
+    <p:sldId id="260" r:id="rId9"/>
+    <p:sldId id="261" r:id="rId10"/>
+    <p:sldId id="262" r:id="rId11"/>
+    <p:sldId id="263" r:id="rId12"/>
+    <p:sldId id="264" r:id="rId13"/>
+    <p:sldId id="265" r:id="rId14"/>
+    <p:sldId id="266" r:id="rId15"/>
   </p:sldIdLst>
   <p:sldSz cx="10080625" cy="7559675"/>
   <p:notesSz cx="7559675" cy="10691812"/>
@@ -63,7 +65,7 @@
       </p:grpSpPr>
       <p:sp>
         <p:nvSpPr>
-          <p:cNvPr id="26" name="PlaceHolder 1"/>
+          <p:cNvPr id="23" name="PlaceHolder 1"/>
           <p:cNvSpPr>
             <a:spLocks noGrp="1"/>
           </p:cNvSpPr>
@@ -74,7 +76,7 @@
         <p:spPr>
           <a:xfrm>
             <a:off x="504000" y="301320"/>
-            <a:ext cx="9071640" cy="1262520"/>
+            <a:ext cx="9072000" cy="1262160"/>
           </a:xfrm>
           <a:prstGeom prst="rect">
             <a:avLst/>
@@ -90,7 +92,7 @@
       </p:sp>
       <p:sp>
         <p:nvSpPr>
-          <p:cNvPr id="27" name="PlaceHolder 2"/>
+          <p:cNvPr id="24" name="PlaceHolder 2"/>
           <p:cNvSpPr>
             <a:spLocks noGrp="1"/>
           </p:cNvSpPr>
@@ -100,8 +102,8 @@
         </p:nvSpPr>
         <p:spPr>
           <a:xfrm>
-            <a:off x="504000" y="1769040"/>
-            <a:ext cx="9071640" cy="2091240"/>
+            <a:off x="504000" y="1768680"/>
+            <a:ext cx="9072000" cy="2090880"/>
           </a:xfrm>
           <a:prstGeom prst="rect">
             <a:avLst/>
@@ -116,7 +118,7 @@
       </p:sp>
       <p:sp>
         <p:nvSpPr>
-          <p:cNvPr id="28" name="PlaceHolder 3"/>
+          <p:cNvPr id="25" name="PlaceHolder 3"/>
           <p:cNvSpPr>
             <a:spLocks noGrp="1"/>
           </p:cNvSpPr>
@@ -126,8 +128,8 @@
         </p:nvSpPr>
         <p:spPr>
           <a:xfrm>
-            <a:off x="504000" y="4059360"/>
-            <a:ext cx="9071640" cy="2091240"/>
+            <a:off x="504000" y="4058640"/>
+            <a:ext cx="9072000" cy="2090880"/>
           </a:xfrm>
           <a:prstGeom prst="rect">
             <a:avLst/>
@@ -164,7 +166,7 @@
       </p:grpSpPr>
       <p:sp>
         <p:nvSpPr>
-          <p:cNvPr id="29" name="PlaceHolder 1"/>
+          <p:cNvPr id="26" name="PlaceHolder 1"/>
           <p:cNvSpPr>
             <a:spLocks noGrp="1"/>
           </p:cNvSpPr>
@@ -175,7 +177,7 @@
         <p:spPr>
           <a:xfrm>
             <a:off x="504000" y="301320"/>
-            <a:ext cx="9071640" cy="1262520"/>
+            <a:ext cx="9072000" cy="1262160"/>
           </a:xfrm>
           <a:prstGeom prst="rect">
             <a:avLst/>
@@ -191,7 +193,7 @@
       </p:sp>
       <p:sp>
         <p:nvSpPr>
-          <p:cNvPr id="30" name="PlaceHolder 2"/>
+          <p:cNvPr id="27" name="PlaceHolder 2"/>
           <p:cNvSpPr>
             <a:spLocks noGrp="1"/>
           </p:cNvSpPr>
@@ -201,8 +203,8 @@
         </p:nvSpPr>
         <p:spPr>
           <a:xfrm>
-            <a:off x="504000" y="1769040"/>
-            <a:ext cx="4426920" cy="2091240"/>
+            <a:off x="504000" y="1768680"/>
+            <a:ext cx="4426920" cy="2090880"/>
           </a:xfrm>
           <a:prstGeom prst="rect">
             <a:avLst/>
@@ -217,7 +219,7 @@
       </p:sp>
       <p:sp>
         <p:nvSpPr>
-          <p:cNvPr id="31" name="PlaceHolder 3"/>
+          <p:cNvPr id="28" name="PlaceHolder 3"/>
           <p:cNvSpPr>
             <a:spLocks noGrp="1"/>
           </p:cNvSpPr>
@@ -227,8 +229,8 @@
         </p:nvSpPr>
         <p:spPr>
           <a:xfrm>
-            <a:off x="5152680" y="1769040"/>
-            <a:ext cx="4426920" cy="2091240"/>
+            <a:off x="5152680" y="1768680"/>
+            <a:ext cx="4426920" cy="2090880"/>
           </a:xfrm>
           <a:prstGeom prst="rect">
             <a:avLst/>
@@ -243,7 +245,7 @@
       </p:sp>
       <p:sp>
         <p:nvSpPr>
-          <p:cNvPr id="32" name="PlaceHolder 4"/>
+          <p:cNvPr id="29" name="PlaceHolder 4"/>
           <p:cNvSpPr>
             <a:spLocks noGrp="1"/>
           </p:cNvSpPr>
@@ -253,8 +255,8 @@
         </p:nvSpPr>
         <p:spPr>
           <a:xfrm>
-            <a:off x="5152680" y="4059360"/>
-            <a:ext cx="4426920" cy="2091240"/>
+            <a:off x="5152680" y="4058640"/>
+            <a:ext cx="4426920" cy="2090880"/>
           </a:xfrm>
           <a:prstGeom prst="rect">
             <a:avLst/>
@@ -269,7 +271,7 @@
       </p:sp>
       <p:sp>
         <p:nvSpPr>
-          <p:cNvPr id="33" name="PlaceHolder 5"/>
+          <p:cNvPr id="30" name="PlaceHolder 5"/>
           <p:cNvSpPr>
             <a:spLocks noGrp="1"/>
           </p:cNvSpPr>
@@ -279,8 +281,8 @@
         </p:nvSpPr>
         <p:spPr>
           <a:xfrm>
-            <a:off x="504000" y="4059360"/>
-            <a:ext cx="4426920" cy="2091240"/>
+            <a:off x="504000" y="4058640"/>
+            <a:ext cx="4426920" cy="2090880"/>
           </a:xfrm>
           <a:prstGeom prst="rect">
             <a:avLst/>
@@ -317,7 +319,7 @@
       </p:grpSpPr>
       <p:sp>
         <p:nvSpPr>
-          <p:cNvPr id="34" name="PlaceHolder 1"/>
+          <p:cNvPr id="31" name="PlaceHolder 1"/>
           <p:cNvSpPr>
             <a:spLocks noGrp="1"/>
           </p:cNvSpPr>
@@ -328,7 +330,7 @@
         <p:spPr>
           <a:xfrm>
             <a:off x="504000" y="301320"/>
-            <a:ext cx="9071640" cy="1262520"/>
+            <a:ext cx="9072000" cy="1262160"/>
           </a:xfrm>
           <a:prstGeom prst="rect">
             <a:avLst/>
@@ -344,7 +346,7 @@
       </p:sp>
       <p:sp>
         <p:nvSpPr>
-          <p:cNvPr id="35" name="PlaceHolder 2"/>
+          <p:cNvPr id="32" name="PlaceHolder 2"/>
           <p:cNvSpPr>
             <a:spLocks noGrp="1"/>
           </p:cNvSpPr>
@@ -354,8 +356,8 @@
         </p:nvSpPr>
         <p:spPr>
           <a:xfrm>
-            <a:off x="504000" y="1769040"/>
-            <a:ext cx="9071640" cy="4384440"/>
+            <a:off x="504000" y="1768680"/>
+            <a:ext cx="9072000" cy="4384080"/>
           </a:xfrm>
           <a:prstGeom prst="rect">
             <a:avLst/>
@@ -370,7 +372,7 @@
       </p:sp>
       <p:sp>
         <p:nvSpPr>
-          <p:cNvPr id="36" name="PlaceHolder 3"/>
+          <p:cNvPr id="33" name="PlaceHolder 3"/>
           <p:cNvSpPr>
             <a:spLocks noGrp="1"/>
           </p:cNvSpPr>
@@ -380,8 +382,8 @@
         </p:nvSpPr>
         <p:spPr>
           <a:xfrm>
-            <a:off x="504000" y="1769040"/>
-            <a:ext cx="9071640" cy="4384440"/>
+            <a:off x="504000" y="1768680"/>
+            <a:ext cx="9072000" cy="4384080"/>
           </a:xfrm>
           <a:prstGeom prst="rect">
             <a:avLst/>
@@ -396,7 +398,7 @@
       </p:sp>
       <p:pic>
         <p:nvPicPr>
-          <p:cNvPr id="37" name="" descr=""/>
+          <p:cNvPr id="34" name="" descr=""/>
           <p:cNvPicPr/>
           <p:nvPr/>
         </p:nvPicPr>
@@ -408,8 +410,8 @@
         </p:blipFill>
         <p:spPr>
           <a:xfrm>
-            <a:off x="2292120" y="1768680"/>
-            <a:ext cx="5495040" cy="4384440"/>
+            <a:off x="2292480" y="1768680"/>
+            <a:ext cx="5494680" cy="4384080"/>
           </a:xfrm>
           <a:prstGeom prst="rect">
             <a:avLst/>
@@ -421,7 +423,7 @@
       </p:pic>
       <p:pic>
         <p:nvPicPr>
-          <p:cNvPr id="38" name="" descr=""/>
+          <p:cNvPr id="35" name="" descr=""/>
           <p:cNvPicPr/>
           <p:nvPr/>
         </p:nvPicPr>
@@ -433,8 +435,8 @@
         </p:blipFill>
         <p:spPr>
           <a:xfrm>
-            <a:off x="2292120" y="1768680"/>
-            <a:ext cx="5495040" cy="4384440"/>
+            <a:off x="2292480" y="1768680"/>
+            <a:ext cx="5494680" cy="4384080"/>
           </a:xfrm>
           <a:prstGeom prst="rect">
             <a:avLst/>
@@ -444,6 +446,505 @@
           </a:ln>
         </p:spPr>
       </p:pic>
+    </p:spTree>
+  </p:cSld>
+</p:sldLayout>
+</file>
+
+<file path=ppt/slideLayouts/slideLayout13.xml><?xml version="1.0" encoding="utf-8"?>
+<p:sldLayout xmlns:a="http://schemas.openxmlformats.org/drawingml/2006/main" xmlns:p="http://schemas.openxmlformats.org/presentationml/2006/main" xmlns:r="http://schemas.openxmlformats.org/officeDocument/2006/relationships" type="blank" preserve="1">
+  <p:cSld name="Blank Slide">
+    <p:spTree>
+      <p:nvGrpSpPr>
+        <p:cNvPr id="1" name=""/>
+        <p:cNvGrpSpPr/>
+        <p:nvPr/>
+      </p:nvGrpSpPr>
+      <p:grpSpPr>
+        <a:xfrm>
+          <a:off x="0" y="0"/>
+          <a:ext cx="0" cy="0"/>
+          <a:chOff x="0" y="0"/>
+          <a:chExt cx="0" cy="0"/>
+        </a:xfrm>
+      </p:grpSpPr>
+    </p:spTree>
+  </p:cSld>
+</p:sldLayout>
+</file>
+
+<file path=ppt/slideLayouts/slideLayout14.xml><?xml version="1.0" encoding="utf-8"?>
+<p:sldLayout xmlns:a="http://schemas.openxmlformats.org/drawingml/2006/main" xmlns:p="http://schemas.openxmlformats.org/presentationml/2006/main" xmlns:r="http://schemas.openxmlformats.org/officeDocument/2006/relationships" type="tx" preserve="1">
+  <p:cSld name="Title Slide">
+    <p:spTree>
+      <p:nvGrpSpPr>
+        <p:cNvPr id="1" name=""/>
+        <p:cNvGrpSpPr/>
+        <p:nvPr/>
+      </p:nvGrpSpPr>
+      <p:grpSpPr>
+        <a:xfrm>
+          <a:off x="0" y="0"/>
+          <a:ext cx="0" cy="0"/>
+          <a:chOff x="0" y="0"/>
+          <a:chExt cx="0" cy="0"/>
+        </a:xfrm>
+      </p:grpSpPr>
+      <p:sp>
+        <p:nvSpPr>
+          <p:cNvPr id="38" name="PlaceHolder 1"/>
+          <p:cNvSpPr>
+            <a:spLocks noGrp="1"/>
+          </p:cNvSpPr>
+          <p:nvPr>
+            <p:ph type="title"/>
+          </p:nvPr>
+        </p:nvSpPr>
+        <p:spPr>
+          <a:xfrm>
+            <a:off x="504000" y="301320"/>
+            <a:ext cx="9072000" cy="1262160"/>
+          </a:xfrm>
+          <a:prstGeom prst="rect">
+            <a:avLst/>
+          </a:prstGeom>
+        </p:spPr>
+        <p:txBody>
+          <a:bodyPr lIns="0" rIns="0" tIns="0" bIns="0" anchor="ctr"/>
+          <a:p>
+            <a:pPr algn="ctr"/>
+            <a:endParaRPr/>
+          </a:p>
+        </p:txBody>
+      </p:sp>
+      <p:sp>
+        <p:nvSpPr>
+          <p:cNvPr id="39" name="PlaceHolder 2"/>
+          <p:cNvSpPr>
+            <a:spLocks noGrp="1"/>
+          </p:cNvSpPr>
+          <p:nvPr>
+            <p:ph type="subTitle"/>
+          </p:nvPr>
+        </p:nvSpPr>
+        <p:spPr>
+          <a:xfrm>
+            <a:off x="504000" y="1768680"/>
+            <a:ext cx="9072000" cy="4384440"/>
+          </a:xfrm>
+          <a:prstGeom prst="rect">
+            <a:avLst/>
+          </a:prstGeom>
+        </p:spPr>
+        <p:txBody>
+          <a:bodyPr lIns="0" rIns="0" tIns="0" bIns="0" anchor="ctr"/>
+          <a:p>
+            <a:pPr algn="ctr"/>
+            <a:endParaRPr/>
+          </a:p>
+        </p:txBody>
+      </p:sp>
+    </p:spTree>
+  </p:cSld>
+</p:sldLayout>
+</file>
+
+<file path=ppt/slideLayouts/slideLayout15.xml><?xml version="1.0" encoding="utf-8"?>
+<p:sldLayout xmlns:a="http://schemas.openxmlformats.org/drawingml/2006/main" xmlns:p="http://schemas.openxmlformats.org/presentationml/2006/main" xmlns:r="http://schemas.openxmlformats.org/officeDocument/2006/relationships" type="obj" preserve="1">
+  <p:cSld name="Title, Content">
+    <p:spTree>
+      <p:nvGrpSpPr>
+        <p:cNvPr id="1" name=""/>
+        <p:cNvGrpSpPr/>
+        <p:nvPr/>
+      </p:nvGrpSpPr>
+      <p:grpSpPr>
+        <a:xfrm>
+          <a:off x="0" y="0"/>
+          <a:ext cx="0" cy="0"/>
+          <a:chOff x="0" y="0"/>
+          <a:chExt cx="0" cy="0"/>
+        </a:xfrm>
+      </p:grpSpPr>
+      <p:sp>
+        <p:nvSpPr>
+          <p:cNvPr id="40" name="PlaceHolder 1"/>
+          <p:cNvSpPr>
+            <a:spLocks noGrp="1"/>
+          </p:cNvSpPr>
+          <p:nvPr>
+            <p:ph type="title"/>
+          </p:nvPr>
+        </p:nvSpPr>
+        <p:spPr>
+          <a:xfrm>
+            <a:off x="504000" y="301320"/>
+            <a:ext cx="9072000" cy="1262160"/>
+          </a:xfrm>
+          <a:prstGeom prst="rect">
+            <a:avLst/>
+          </a:prstGeom>
+        </p:spPr>
+        <p:txBody>
+          <a:bodyPr lIns="0" rIns="0" tIns="0" bIns="0" anchor="ctr"/>
+          <a:p>
+            <a:pPr algn="ctr"/>
+            <a:endParaRPr/>
+          </a:p>
+        </p:txBody>
+      </p:sp>
+      <p:sp>
+        <p:nvSpPr>
+          <p:cNvPr id="41" name="PlaceHolder 2"/>
+          <p:cNvSpPr>
+            <a:spLocks noGrp="1"/>
+          </p:cNvSpPr>
+          <p:nvPr>
+            <p:ph type="body"/>
+          </p:nvPr>
+        </p:nvSpPr>
+        <p:spPr>
+          <a:xfrm>
+            <a:off x="504000" y="1768680"/>
+            <a:ext cx="9072000" cy="4384080"/>
+          </a:xfrm>
+          <a:prstGeom prst="rect">
+            <a:avLst/>
+          </a:prstGeom>
+        </p:spPr>
+        <p:txBody>
+          <a:bodyPr lIns="0" rIns="0" tIns="0" bIns="0"/>
+          <a:p>
+            <a:endParaRPr/>
+          </a:p>
+        </p:txBody>
+      </p:sp>
+    </p:spTree>
+  </p:cSld>
+</p:sldLayout>
+</file>
+
+<file path=ppt/slideLayouts/slideLayout16.xml><?xml version="1.0" encoding="utf-8"?>
+<p:sldLayout xmlns:a="http://schemas.openxmlformats.org/drawingml/2006/main" xmlns:p="http://schemas.openxmlformats.org/presentationml/2006/main" xmlns:r="http://schemas.openxmlformats.org/officeDocument/2006/relationships" type="twoObj" preserve="1">
+  <p:cSld name="Title, 2 Content">
+    <p:spTree>
+      <p:nvGrpSpPr>
+        <p:cNvPr id="1" name=""/>
+        <p:cNvGrpSpPr/>
+        <p:nvPr/>
+      </p:nvGrpSpPr>
+      <p:grpSpPr>
+        <a:xfrm>
+          <a:off x="0" y="0"/>
+          <a:ext cx="0" cy="0"/>
+          <a:chOff x="0" y="0"/>
+          <a:chExt cx="0" cy="0"/>
+        </a:xfrm>
+      </p:grpSpPr>
+      <p:sp>
+        <p:nvSpPr>
+          <p:cNvPr id="42" name="PlaceHolder 1"/>
+          <p:cNvSpPr>
+            <a:spLocks noGrp="1"/>
+          </p:cNvSpPr>
+          <p:nvPr>
+            <p:ph type="title"/>
+          </p:nvPr>
+        </p:nvSpPr>
+        <p:spPr>
+          <a:xfrm>
+            <a:off x="504000" y="301320"/>
+            <a:ext cx="9072000" cy="1262160"/>
+          </a:xfrm>
+          <a:prstGeom prst="rect">
+            <a:avLst/>
+          </a:prstGeom>
+        </p:spPr>
+        <p:txBody>
+          <a:bodyPr lIns="0" rIns="0" tIns="0" bIns="0" anchor="ctr"/>
+          <a:p>
+            <a:pPr algn="ctr"/>
+            <a:endParaRPr/>
+          </a:p>
+        </p:txBody>
+      </p:sp>
+      <p:sp>
+        <p:nvSpPr>
+          <p:cNvPr id="43" name="PlaceHolder 2"/>
+          <p:cNvSpPr>
+            <a:spLocks noGrp="1"/>
+          </p:cNvSpPr>
+          <p:nvPr>
+            <p:ph type="body"/>
+          </p:nvPr>
+        </p:nvSpPr>
+        <p:spPr>
+          <a:xfrm>
+            <a:off x="504000" y="1768680"/>
+            <a:ext cx="4426920" cy="4384080"/>
+          </a:xfrm>
+          <a:prstGeom prst="rect">
+            <a:avLst/>
+          </a:prstGeom>
+        </p:spPr>
+        <p:txBody>
+          <a:bodyPr lIns="0" rIns="0" tIns="0" bIns="0"/>
+          <a:p>
+            <a:endParaRPr/>
+          </a:p>
+        </p:txBody>
+      </p:sp>
+      <p:sp>
+        <p:nvSpPr>
+          <p:cNvPr id="44" name="PlaceHolder 3"/>
+          <p:cNvSpPr>
+            <a:spLocks noGrp="1"/>
+          </p:cNvSpPr>
+          <p:nvPr>
+            <p:ph type="body"/>
+          </p:nvPr>
+        </p:nvSpPr>
+        <p:spPr>
+          <a:xfrm>
+            <a:off x="5152680" y="1768680"/>
+            <a:ext cx="4426920" cy="4384080"/>
+          </a:xfrm>
+          <a:prstGeom prst="rect">
+            <a:avLst/>
+          </a:prstGeom>
+        </p:spPr>
+        <p:txBody>
+          <a:bodyPr lIns="0" rIns="0" tIns="0" bIns="0"/>
+          <a:p>
+            <a:endParaRPr/>
+          </a:p>
+        </p:txBody>
+      </p:sp>
+    </p:spTree>
+  </p:cSld>
+</p:sldLayout>
+</file>
+
+<file path=ppt/slideLayouts/slideLayout17.xml><?xml version="1.0" encoding="utf-8"?>
+<p:sldLayout xmlns:a="http://schemas.openxmlformats.org/drawingml/2006/main" xmlns:p="http://schemas.openxmlformats.org/presentationml/2006/main" xmlns:r="http://schemas.openxmlformats.org/officeDocument/2006/relationships" type="titleOnly" preserve="1">
+  <p:cSld name="Title Only">
+    <p:spTree>
+      <p:nvGrpSpPr>
+        <p:cNvPr id="1" name=""/>
+        <p:cNvGrpSpPr/>
+        <p:nvPr/>
+      </p:nvGrpSpPr>
+      <p:grpSpPr>
+        <a:xfrm>
+          <a:off x="0" y="0"/>
+          <a:ext cx="0" cy="0"/>
+          <a:chOff x="0" y="0"/>
+          <a:chExt cx="0" cy="0"/>
+        </a:xfrm>
+      </p:grpSpPr>
+      <p:sp>
+        <p:nvSpPr>
+          <p:cNvPr id="45" name="PlaceHolder 1"/>
+          <p:cNvSpPr>
+            <a:spLocks noGrp="1"/>
+          </p:cNvSpPr>
+          <p:nvPr>
+            <p:ph type="title"/>
+          </p:nvPr>
+        </p:nvSpPr>
+        <p:spPr>
+          <a:xfrm>
+            <a:off x="504000" y="301320"/>
+            <a:ext cx="9072000" cy="1262160"/>
+          </a:xfrm>
+          <a:prstGeom prst="rect">
+            <a:avLst/>
+          </a:prstGeom>
+        </p:spPr>
+        <p:txBody>
+          <a:bodyPr lIns="0" rIns="0" tIns="0" bIns="0" anchor="ctr"/>
+          <a:p>
+            <a:pPr algn="ctr"/>
+            <a:endParaRPr/>
+          </a:p>
+        </p:txBody>
+      </p:sp>
+    </p:spTree>
+  </p:cSld>
+</p:sldLayout>
+</file>
+
+<file path=ppt/slideLayouts/slideLayout18.xml><?xml version="1.0" encoding="utf-8"?>
+<p:sldLayout xmlns:a="http://schemas.openxmlformats.org/drawingml/2006/main" xmlns:p="http://schemas.openxmlformats.org/presentationml/2006/main" xmlns:r="http://schemas.openxmlformats.org/officeDocument/2006/relationships" type="objOnly" preserve="1">
+  <p:cSld name="Centered Text">
+    <p:spTree>
+      <p:nvGrpSpPr>
+        <p:cNvPr id="1" name=""/>
+        <p:cNvGrpSpPr/>
+        <p:nvPr/>
+      </p:nvGrpSpPr>
+      <p:grpSpPr>
+        <a:xfrm>
+          <a:off x="0" y="0"/>
+          <a:ext cx="0" cy="0"/>
+          <a:chOff x="0" y="0"/>
+          <a:chExt cx="0" cy="0"/>
+        </a:xfrm>
+      </p:grpSpPr>
+      <p:sp>
+        <p:nvSpPr>
+          <p:cNvPr id="46" name="PlaceHolder 1"/>
+          <p:cNvSpPr>
+            <a:spLocks noGrp="1"/>
+          </p:cNvSpPr>
+          <p:nvPr>
+            <p:ph type="subTitle"/>
+          </p:nvPr>
+        </p:nvSpPr>
+        <p:spPr>
+          <a:xfrm>
+            <a:off x="504000" y="301320"/>
+            <a:ext cx="9072000" cy="5850720"/>
+          </a:xfrm>
+          <a:prstGeom prst="rect">
+            <a:avLst/>
+          </a:prstGeom>
+        </p:spPr>
+        <p:txBody>
+          <a:bodyPr lIns="0" rIns="0" tIns="0" bIns="0" anchor="ctr"/>
+          <a:p>
+            <a:pPr algn="ctr"/>
+            <a:endParaRPr/>
+          </a:p>
+        </p:txBody>
+      </p:sp>
+    </p:spTree>
+  </p:cSld>
+</p:sldLayout>
+</file>
+
+<file path=ppt/slideLayouts/slideLayout19.xml><?xml version="1.0" encoding="utf-8"?>
+<p:sldLayout xmlns:a="http://schemas.openxmlformats.org/drawingml/2006/main" xmlns:p="http://schemas.openxmlformats.org/presentationml/2006/main" xmlns:r="http://schemas.openxmlformats.org/officeDocument/2006/relationships" type="twoObjAndObj" preserve="1">
+  <p:cSld name="Title, 2 Content and Content">
+    <p:spTree>
+      <p:nvGrpSpPr>
+        <p:cNvPr id="1" name=""/>
+        <p:cNvGrpSpPr/>
+        <p:nvPr/>
+      </p:nvGrpSpPr>
+      <p:grpSpPr>
+        <a:xfrm>
+          <a:off x="0" y="0"/>
+          <a:ext cx="0" cy="0"/>
+          <a:chOff x="0" y="0"/>
+          <a:chExt cx="0" cy="0"/>
+        </a:xfrm>
+      </p:grpSpPr>
+      <p:sp>
+        <p:nvSpPr>
+          <p:cNvPr id="47" name="PlaceHolder 1"/>
+          <p:cNvSpPr>
+            <a:spLocks noGrp="1"/>
+          </p:cNvSpPr>
+          <p:nvPr>
+            <p:ph type="title"/>
+          </p:nvPr>
+        </p:nvSpPr>
+        <p:spPr>
+          <a:xfrm>
+            <a:off x="504000" y="301320"/>
+            <a:ext cx="9072000" cy="1262160"/>
+          </a:xfrm>
+          <a:prstGeom prst="rect">
+            <a:avLst/>
+          </a:prstGeom>
+        </p:spPr>
+        <p:txBody>
+          <a:bodyPr lIns="0" rIns="0" tIns="0" bIns="0" anchor="ctr"/>
+          <a:p>
+            <a:pPr algn="ctr"/>
+            <a:endParaRPr/>
+          </a:p>
+        </p:txBody>
+      </p:sp>
+      <p:sp>
+        <p:nvSpPr>
+          <p:cNvPr id="48" name="PlaceHolder 2"/>
+          <p:cNvSpPr>
+            <a:spLocks noGrp="1"/>
+          </p:cNvSpPr>
+          <p:nvPr>
+            <p:ph type="body"/>
+          </p:nvPr>
+        </p:nvSpPr>
+        <p:spPr>
+          <a:xfrm>
+            <a:off x="504000" y="1768680"/>
+            <a:ext cx="4426920" cy="2090880"/>
+          </a:xfrm>
+          <a:prstGeom prst="rect">
+            <a:avLst/>
+          </a:prstGeom>
+        </p:spPr>
+        <p:txBody>
+          <a:bodyPr lIns="0" rIns="0" tIns="0" bIns="0"/>
+          <a:p>
+            <a:endParaRPr/>
+          </a:p>
+        </p:txBody>
+      </p:sp>
+      <p:sp>
+        <p:nvSpPr>
+          <p:cNvPr id="49" name="PlaceHolder 3"/>
+          <p:cNvSpPr>
+            <a:spLocks noGrp="1"/>
+          </p:cNvSpPr>
+          <p:nvPr>
+            <p:ph type="body"/>
+          </p:nvPr>
+        </p:nvSpPr>
+        <p:spPr>
+          <a:xfrm>
+            <a:off x="504000" y="4058640"/>
+            <a:ext cx="4426920" cy="2090880"/>
+          </a:xfrm>
+          <a:prstGeom prst="rect">
+            <a:avLst/>
+          </a:prstGeom>
+        </p:spPr>
+        <p:txBody>
+          <a:bodyPr lIns="0" rIns="0" tIns="0" bIns="0"/>
+          <a:p>
+            <a:endParaRPr/>
+          </a:p>
+        </p:txBody>
+      </p:sp>
+      <p:sp>
+        <p:nvSpPr>
+          <p:cNvPr id="50" name="PlaceHolder 4"/>
+          <p:cNvSpPr>
+            <a:spLocks noGrp="1"/>
+          </p:cNvSpPr>
+          <p:nvPr>
+            <p:ph type="body"/>
+          </p:nvPr>
+        </p:nvSpPr>
+        <p:spPr>
+          <a:xfrm>
+            <a:off x="5152680" y="1768680"/>
+            <a:ext cx="4426920" cy="4384080"/>
+          </a:xfrm>
+          <a:prstGeom prst="rect">
+            <a:avLst/>
+          </a:prstGeom>
+        </p:spPr>
+        <p:txBody>
+          <a:bodyPr lIns="0" rIns="0" tIns="0" bIns="0"/>
+          <a:p>
+            <a:endParaRPr/>
+          </a:p>
+        </p:txBody>
+      </p:sp>
     </p:spTree>
   </p:cSld>
 </p:sldLayout>
@@ -468,7 +969,7 @@
       </p:grpSpPr>
       <p:sp>
         <p:nvSpPr>
-          <p:cNvPr id="5" name="PlaceHolder 1"/>
+          <p:cNvPr id="2" name="PlaceHolder 1"/>
           <p:cNvSpPr>
             <a:spLocks noGrp="1"/>
           </p:cNvSpPr>
@@ -479,7 +980,7 @@
         <p:spPr>
           <a:xfrm>
             <a:off x="504000" y="301320"/>
-            <a:ext cx="9071640" cy="1262520"/>
+            <a:ext cx="9072000" cy="1262160"/>
           </a:xfrm>
           <a:prstGeom prst="rect">
             <a:avLst/>
@@ -495,7 +996,7 @@
       </p:sp>
       <p:sp>
         <p:nvSpPr>
-          <p:cNvPr id="6" name="PlaceHolder 2"/>
+          <p:cNvPr id="3" name="PlaceHolder 2"/>
           <p:cNvSpPr>
             <a:spLocks noGrp="1"/>
           </p:cNvSpPr>
@@ -505,8 +1006,990 @@
         </p:nvSpPr>
         <p:spPr>
           <a:xfrm>
-            <a:off x="504000" y="1769040"/>
-            <a:ext cx="9071640" cy="4384800"/>
+            <a:off x="504000" y="1768680"/>
+            <a:ext cx="9072000" cy="4384440"/>
+          </a:xfrm>
+          <a:prstGeom prst="rect">
+            <a:avLst/>
+          </a:prstGeom>
+        </p:spPr>
+        <p:txBody>
+          <a:bodyPr lIns="0" rIns="0" tIns="0" bIns="0" anchor="ctr"/>
+          <a:p>
+            <a:pPr algn="ctr"/>
+            <a:endParaRPr/>
+          </a:p>
+        </p:txBody>
+      </p:sp>
+    </p:spTree>
+  </p:cSld>
+</p:sldLayout>
+</file>
+
+<file path=ppt/slideLayouts/slideLayout20.xml><?xml version="1.0" encoding="utf-8"?>
+<p:sldLayout xmlns:a="http://schemas.openxmlformats.org/drawingml/2006/main" xmlns:p="http://schemas.openxmlformats.org/presentationml/2006/main" xmlns:r="http://schemas.openxmlformats.org/officeDocument/2006/relationships" type="objAndTwoObj" preserve="1">
+  <p:cSld name="Title Content and 2 Content">
+    <p:spTree>
+      <p:nvGrpSpPr>
+        <p:cNvPr id="1" name=""/>
+        <p:cNvGrpSpPr/>
+        <p:nvPr/>
+      </p:nvGrpSpPr>
+      <p:grpSpPr>
+        <a:xfrm>
+          <a:off x="0" y="0"/>
+          <a:ext cx="0" cy="0"/>
+          <a:chOff x="0" y="0"/>
+          <a:chExt cx="0" cy="0"/>
+        </a:xfrm>
+      </p:grpSpPr>
+      <p:sp>
+        <p:nvSpPr>
+          <p:cNvPr id="51" name="PlaceHolder 1"/>
+          <p:cNvSpPr>
+            <a:spLocks noGrp="1"/>
+          </p:cNvSpPr>
+          <p:nvPr>
+            <p:ph type="title"/>
+          </p:nvPr>
+        </p:nvSpPr>
+        <p:spPr>
+          <a:xfrm>
+            <a:off x="504000" y="301320"/>
+            <a:ext cx="9072000" cy="1262160"/>
+          </a:xfrm>
+          <a:prstGeom prst="rect">
+            <a:avLst/>
+          </a:prstGeom>
+        </p:spPr>
+        <p:txBody>
+          <a:bodyPr lIns="0" rIns="0" tIns="0" bIns="0" anchor="ctr"/>
+          <a:p>
+            <a:pPr algn="ctr"/>
+            <a:endParaRPr/>
+          </a:p>
+        </p:txBody>
+      </p:sp>
+      <p:sp>
+        <p:nvSpPr>
+          <p:cNvPr id="52" name="PlaceHolder 2"/>
+          <p:cNvSpPr>
+            <a:spLocks noGrp="1"/>
+          </p:cNvSpPr>
+          <p:nvPr>
+            <p:ph type="body"/>
+          </p:nvPr>
+        </p:nvSpPr>
+        <p:spPr>
+          <a:xfrm>
+            <a:off x="504000" y="1768680"/>
+            <a:ext cx="4426920" cy="4384080"/>
+          </a:xfrm>
+          <a:prstGeom prst="rect">
+            <a:avLst/>
+          </a:prstGeom>
+        </p:spPr>
+        <p:txBody>
+          <a:bodyPr lIns="0" rIns="0" tIns="0" bIns="0"/>
+          <a:p>
+            <a:endParaRPr/>
+          </a:p>
+        </p:txBody>
+      </p:sp>
+      <p:sp>
+        <p:nvSpPr>
+          <p:cNvPr id="53" name="PlaceHolder 3"/>
+          <p:cNvSpPr>
+            <a:spLocks noGrp="1"/>
+          </p:cNvSpPr>
+          <p:nvPr>
+            <p:ph type="body"/>
+          </p:nvPr>
+        </p:nvSpPr>
+        <p:spPr>
+          <a:xfrm>
+            <a:off x="5152680" y="1768680"/>
+            <a:ext cx="4426920" cy="2090880"/>
+          </a:xfrm>
+          <a:prstGeom prst="rect">
+            <a:avLst/>
+          </a:prstGeom>
+        </p:spPr>
+        <p:txBody>
+          <a:bodyPr lIns="0" rIns="0" tIns="0" bIns="0"/>
+          <a:p>
+            <a:endParaRPr/>
+          </a:p>
+        </p:txBody>
+      </p:sp>
+      <p:sp>
+        <p:nvSpPr>
+          <p:cNvPr id="54" name="PlaceHolder 4"/>
+          <p:cNvSpPr>
+            <a:spLocks noGrp="1"/>
+          </p:cNvSpPr>
+          <p:nvPr>
+            <p:ph type="body"/>
+          </p:nvPr>
+        </p:nvSpPr>
+        <p:spPr>
+          <a:xfrm>
+            <a:off x="5152680" y="4058640"/>
+            <a:ext cx="4426920" cy="2090880"/>
+          </a:xfrm>
+          <a:prstGeom prst="rect">
+            <a:avLst/>
+          </a:prstGeom>
+        </p:spPr>
+        <p:txBody>
+          <a:bodyPr lIns="0" rIns="0" tIns="0" bIns="0"/>
+          <a:p>
+            <a:endParaRPr/>
+          </a:p>
+        </p:txBody>
+      </p:sp>
+    </p:spTree>
+  </p:cSld>
+</p:sldLayout>
+</file>
+
+<file path=ppt/slideLayouts/slideLayout21.xml><?xml version="1.0" encoding="utf-8"?>
+<p:sldLayout xmlns:a="http://schemas.openxmlformats.org/drawingml/2006/main" xmlns:p="http://schemas.openxmlformats.org/presentationml/2006/main" xmlns:r="http://schemas.openxmlformats.org/officeDocument/2006/relationships" type="twoObjOverTx" preserve="1">
+  <p:cSld name="Title, 2 Content over Content">
+    <p:spTree>
+      <p:nvGrpSpPr>
+        <p:cNvPr id="1" name=""/>
+        <p:cNvGrpSpPr/>
+        <p:nvPr/>
+      </p:nvGrpSpPr>
+      <p:grpSpPr>
+        <a:xfrm>
+          <a:off x="0" y="0"/>
+          <a:ext cx="0" cy="0"/>
+          <a:chOff x="0" y="0"/>
+          <a:chExt cx="0" cy="0"/>
+        </a:xfrm>
+      </p:grpSpPr>
+      <p:sp>
+        <p:nvSpPr>
+          <p:cNvPr id="55" name="PlaceHolder 1"/>
+          <p:cNvSpPr>
+            <a:spLocks noGrp="1"/>
+          </p:cNvSpPr>
+          <p:nvPr>
+            <p:ph type="title"/>
+          </p:nvPr>
+        </p:nvSpPr>
+        <p:spPr>
+          <a:xfrm>
+            <a:off x="504000" y="301320"/>
+            <a:ext cx="9072000" cy="1262160"/>
+          </a:xfrm>
+          <a:prstGeom prst="rect">
+            <a:avLst/>
+          </a:prstGeom>
+        </p:spPr>
+        <p:txBody>
+          <a:bodyPr lIns="0" rIns="0" tIns="0" bIns="0" anchor="ctr"/>
+          <a:p>
+            <a:pPr algn="ctr"/>
+            <a:endParaRPr/>
+          </a:p>
+        </p:txBody>
+      </p:sp>
+      <p:sp>
+        <p:nvSpPr>
+          <p:cNvPr id="56" name="PlaceHolder 2"/>
+          <p:cNvSpPr>
+            <a:spLocks noGrp="1"/>
+          </p:cNvSpPr>
+          <p:nvPr>
+            <p:ph type="body"/>
+          </p:nvPr>
+        </p:nvSpPr>
+        <p:spPr>
+          <a:xfrm>
+            <a:off x="504000" y="1768680"/>
+            <a:ext cx="4426920" cy="2090880"/>
+          </a:xfrm>
+          <a:prstGeom prst="rect">
+            <a:avLst/>
+          </a:prstGeom>
+        </p:spPr>
+        <p:txBody>
+          <a:bodyPr lIns="0" rIns="0" tIns="0" bIns="0"/>
+          <a:p>
+            <a:endParaRPr/>
+          </a:p>
+        </p:txBody>
+      </p:sp>
+      <p:sp>
+        <p:nvSpPr>
+          <p:cNvPr id="57" name="PlaceHolder 3"/>
+          <p:cNvSpPr>
+            <a:spLocks noGrp="1"/>
+          </p:cNvSpPr>
+          <p:nvPr>
+            <p:ph type="body"/>
+          </p:nvPr>
+        </p:nvSpPr>
+        <p:spPr>
+          <a:xfrm>
+            <a:off x="5152680" y="1768680"/>
+            <a:ext cx="4426920" cy="2090880"/>
+          </a:xfrm>
+          <a:prstGeom prst="rect">
+            <a:avLst/>
+          </a:prstGeom>
+        </p:spPr>
+        <p:txBody>
+          <a:bodyPr lIns="0" rIns="0" tIns="0" bIns="0"/>
+          <a:p>
+            <a:endParaRPr/>
+          </a:p>
+        </p:txBody>
+      </p:sp>
+      <p:sp>
+        <p:nvSpPr>
+          <p:cNvPr id="58" name="PlaceHolder 4"/>
+          <p:cNvSpPr>
+            <a:spLocks noGrp="1"/>
+          </p:cNvSpPr>
+          <p:nvPr>
+            <p:ph type="body"/>
+          </p:nvPr>
+        </p:nvSpPr>
+        <p:spPr>
+          <a:xfrm>
+            <a:off x="504000" y="4058640"/>
+            <a:ext cx="9072000" cy="2090880"/>
+          </a:xfrm>
+          <a:prstGeom prst="rect">
+            <a:avLst/>
+          </a:prstGeom>
+        </p:spPr>
+        <p:txBody>
+          <a:bodyPr lIns="0" rIns="0" tIns="0" bIns="0"/>
+          <a:p>
+            <a:endParaRPr/>
+          </a:p>
+        </p:txBody>
+      </p:sp>
+    </p:spTree>
+  </p:cSld>
+</p:sldLayout>
+</file>
+
+<file path=ppt/slideLayouts/slideLayout22.xml><?xml version="1.0" encoding="utf-8"?>
+<p:sldLayout xmlns:a="http://schemas.openxmlformats.org/drawingml/2006/main" xmlns:p="http://schemas.openxmlformats.org/presentationml/2006/main" xmlns:r="http://schemas.openxmlformats.org/officeDocument/2006/relationships" type="objOverTx" preserve="1">
+  <p:cSld name="Title, Content over Content">
+    <p:spTree>
+      <p:nvGrpSpPr>
+        <p:cNvPr id="1" name=""/>
+        <p:cNvGrpSpPr/>
+        <p:nvPr/>
+      </p:nvGrpSpPr>
+      <p:grpSpPr>
+        <a:xfrm>
+          <a:off x="0" y="0"/>
+          <a:ext cx="0" cy="0"/>
+          <a:chOff x="0" y="0"/>
+          <a:chExt cx="0" cy="0"/>
+        </a:xfrm>
+      </p:grpSpPr>
+      <p:sp>
+        <p:nvSpPr>
+          <p:cNvPr id="59" name="PlaceHolder 1"/>
+          <p:cNvSpPr>
+            <a:spLocks noGrp="1"/>
+          </p:cNvSpPr>
+          <p:nvPr>
+            <p:ph type="title"/>
+          </p:nvPr>
+        </p:nvSpPr>
+        <p:spPr>
+          <a:xfrm>
+            <a:off x="504000" y="301320"/>
+            <a:ext cx="9072000" cy="1262160"/>
+          </a:xfrm>
+          <a:prstGeom prst="rect">
+            <a:avLst/>
+          </a:prstGeom>
+        </p:spPr>
+        <p:txBody>
+          <a:bodyPr lIns="0" rIns="0" tIns="0" bIns="0" anchor="ctr"/>
+          <a:p>
+            <a:pPr algn="ctr"/>
+            <a:endParaRPr/>
+          </a:p>
+        </p:txBody>
+      </p:sp>
+      <p:sp>
+        <p:nvSpPr>
+          <p:cNvPr id="60" name="PlaceHolder 2"/>
+          <p:cNvSpPr>
+            <a:spLocks noGrp="1"/>
+          </p:cNvSpPr>
+          <p:nvPr>
+            <p:ph type="body"/>
+          </p:nvPr>
+        </p:nvSpPr>
+        <p:spPr>
+          <a:xfrm>
+            <a:off x="504000" y="1768680"/>
+            <a:ext cx="9072000" cy="2090880"/>
+          </a:xfrm>
+          <a:prstGeom prst="rect">
+            <a:avLst/>
+          </a:prstGeom>
+        </p:spPr>
+        <p:txBody>
+          <a:bodyPr lIns="0" rIns="0" tIns="0" bIns="0"/>
+          <a:p>
+            <a:endParaRPr/>
+          </a:p>
+        </p:txBody>
+      </p:sp>
+      <p:sp>
+        <p:nvSpPr>
+          <p:cNvPr id="61" name="PlaceHolder 3"/>
+          <p:cNvSpPr>
+            <a:spLocks noGrp="1"/>
+          </p:cNvSpPr>
+          <p:nvPr>
+            <p:ph type="body"/>
+          </p:nvPr>
+        </p:nvSpPr>
+        <p:spPr>
+          <a:xfrm>
+            <a:off x="504000" y="4058640"/>
+            <a:ext cx="9072000" cy="2090880"/>
+          </a:xfrm>
+          <a:prstGeom prst="rect">
+            <a:avLst/>
+          </a:prstGeom>
+        </p:spPr>
+        <p:txBody>
+          <a:bodyPr lIns="0" rIns="0" tIns="0" bIns="0"/>
+          <a:p>
+            <a:endParaRPr/>
+          </a:p>
+        </p:txBody>
+      </p:sp>
+    </p:spTree>
+  </p:cSld>
+</p:sldLayout>
+</file>
+
+<file path=ppt/slideLayouts/slideLayout23.xml><?xml version="1.0" encoding="utf-8"?>
+<p:sldLayout xmlns:a="http://schemas.openxmlformats.org/drawingml/2006/main" xmlns:p="http://schemas.openxmlformats.org/presentationml/2006/main" xmlns:r="http://schemas.openxmlformats.org/officeDocument/2006/relationships" type="fourObj" preserve="1">
+  <p:cSld name="Title, 4 Content">
+    <p:spTree>
+      <p:nvGrpSpPr>
+        <p:cNvPr id="1" name=""/>
+        <p:cNvGrpSpPr/>
+        <p:nvPr/>
+      </p:nvGrpSpPr>
+      <p:grpSpPr>
+        <a:xfrm>
+          <a:off x="0" y="0"/>
+          <a:ext cx="0" cy="0"/>
+          <a:chOff x="0" y="0"/>
+          <a:chExt cx="0" cy="0"/>
+        </a:xfrm>
+      </p:grpSpPr>
+      <p:sp>
+        <p:nvSpPr>
+          <p:cNvPr id="62" name="PlaceHolder 1"/>
+          <p:cNvSpPr>
+            <a:spLocks noGrp="1"/>
+          </p:cNvSpPr>
+          <p:nvPr>
+            <p:ph type="title"/>
+          </p:nvPr>
+        </p:nvSpPr>
+        <p:spPr>
+          <a:xfrm>
+            <a:off x="504000" y="301320"/>
+            <a:ext cx="9072000" cy="1262160"/>
+          </a:xfrm>
+          <a:prstGeom prst="rect">
+            <a:avLst/>
+          </a:prstGeom>
+        </p:spPr>
+        <p:txBody>
+          <a:bodyPr lIns="0" rIns="0" tIns="0" bIns="0" anchor="ctr"/>
+          <a:p>
+            <a:pPr algn="ctr"/>
+            <a:endParaRPr/>
+          </a:p>
+        </p:txBody>
+      </p:sp>
+      <p:sp>
+        <p:nvSpPr>
+          <p:cNvPr id="63" name="PlaceHolder 2"/>
+          <p:cNvSpPr>
+            <a:spLocks noGrp="1"/>
+          </p:cNvSpPr>
+          <p:nvPr>
+            <p:ph type="body"/>
+          </p:nvPr>
+        </p:nvSpPr>
+        <p:spPr>
+          <a:xfrm>
+            <a:off x="504000" y="1768680"/>
+            <a:ext cx="4426920" cy="2090880"/>
+          </a:xfrm>
+          <a:prstGeom prst="rect">
+            <a:avLst/>
+          </a:prstGeom>
+        </p:spPr>
+        <p:txBody>
+          <a:bodyPr lIns="0" rIns="0" tIns="0" bIns="0"/>
+          <a:p>
+            <a:endParaRPr/>
+          </a:p>
+        </p:txBody>
+      </p:sp>
+      <p:sp>
+        <p:nvSpPr>
+          <p:cNvPr id="64" name="PlaceHolder 3"/>
+          <p:cNvSpPr>
+            <a:spLocks noGrp="1"/>
+          </p:cNvSpPr>
+          <p:nvPr>
+            <p:ph type="body"/>
+          </p:nvPr>
+        </p:nvSpPr>
+        <p:spPr>
+          <a:xfrm>
+            <a:off x="5152680" y="1768680"/>
+            <a:ext cx="4426920" cy="2090880"/>
+          </a:xfrm>
+          <a:prstGeom prst="rect">
+            <a:avLst/>
+          </a:prstGeom>
+        </p:spPr>
+        <p:txBody>
+          <a:bodyPr lIns="0" rIns="0" tIns="0" bIns="0"/>
+          <a:p>
+            <a:endParaRPr/>
+          </a:p>
+        </p:txBody>
+      </p:sp>
+      <p:sp>
+        <p:nvSpPr>
+          <p:cNvPr id="65" name="PlaceHolder 4"/>
+          <p:cNvSpPr>
+            <a:spLocks noGrp="1"/>
+          </p:cNvSpPr>
+          <p:nvPr>
+            <p:ph type="body"/>
+          </p:nvPr>
+        </p:nvSpPr>
+        <p:spPr>
+          <a:xfrm>
+            <a:off x="5152680" y="4058640"/>
+            <a:ext cx="4426920" cy="2090880"/>
+          </a:xfrm>
+          <a:prstGeom prst="rect">
+            <a:avLst/>
+          </a:prstGeom>
+        </p:spPr>
+        <p:txBody>
+          <a:bodyPr lIns="0" rIns="0" tIns="0" bIns="0"/>
+          <a:p>
+            <a:endParaRPr/>
+          </a:p>
+        </p:txBody>
+      </p:sp>
+      <p:sp>
+        <p:nvSpPr>
+          <p:cNvPr id="66" name="PlaceHolder 5"/>
+          <p:cNvSpPr>
+            <a:spLocks noGrp="1"/>
+          </p:cNvSpPr>
+          <p:nvPr>
+            <p:ph type="body"/>
+          </p:nvPr>
+        </p:nvSpPr>
+        <p:spPr>
+          <a:xfrm>
+            <a:off x="504000" y="4058640"/>
+            <a:ext cx="4426920" cy="2090880"/>
+          </a:xfrm>
+          <a:prstGeom prst="rect">
+            <a:avLst/>
+          </a:prstGeom>
+        </p:spPr>
+        <p:txBody>
+          <a:bodyPr lIns="0" rIns="0" tIns="0" bIns="0"/>
+          <a:p>
+            <a:endParaRPr/>
+          </a:p>
+        </p:txBody>
+      </p:sp>
+    </p:spTree>
+  </p:cSld>
+</p:sldLayout>
+</file>
+
+<file path=ppt/slideLayouts/slideLayout24.xml><?xml version="1.0" encoding="utf-8"?>
+<p:sldLayout xmlns:a="http://schemas.openxmlformats.org/drawingml/2006/main" xmlns:p="http://schemas.openxmlformats.org/presentationml/2006/main" xmlns:r="http://schemas.openxmlformats.org/officeDocument/2006/relationships" type="blank" preserve="1">
+  <p:cSld name="Title, 6 Content">
+    <p:spTree>
+      <p:nvGrpSpPr>
+        <p:cNvPr id="1" name=""/>
+        <p:cNvGrpSpPr/>
+        <p:nvPr/>
+      </p:nvGrpSpPr>
+      <p:grpSpPr>
+        <a:xfrm>
+          <a:off x="0" y="0"/>
+          <a:ext cx="0" cy="0"/>
+          <a:chOff x="0" y="0"/>
+          <a:chExt cx="0" cy="0"/>
+        </a:xfrm>
+      </p:grpSpPr>
+      <p:sp>
+        <p:nvSpPr>
+          <p:cNvPr id="67" name="PlaceHolder 1"/>
+          <p:cNvSpPr>
+            <a:spLocks noGrp="1"/>
+          </p:cNvSpPr>
+          <p:nvPr>
+            <p:ph type="title"/>
+          </p:nvPr>
+        </p:nvSpPr>
+        <p:spPr>
+          <a:xfrm>
+            <a:off x="504000" y="301320"/>
+            <a:ext cx="9072000" cy="1262160"/>
+          </a:xfrm>
+          <a:prstGeom prst="rect">
+            <a:avLst/>
+          </a:prstGeom>
+        </p:spPr>
+        <p:txBody>
+          <a:bodyPr lIns="0" rIns="0" tIns="0" bIns="0" anchor="ctr"/>
+          <a:p>
+            <a:pPr algn="ctr"/>
+            <a:endParaRPr/>
+          </a:p>
+        </p:txBody>
+      </p:sp>
+      <p:sp>
+        <p:nvSpPr>
+          <p:cNvPr id="68" name="PlaceHolder 2"/>
+          <p:cNvSpPr>
+            <a:spLocks noGrp="1"/>
+          </p:cNvSpPr>
+          <p:nvPr>
+            <p:ph type="body"/>
+          </p:nvPr>
+        </p:nvSpPr>
+        <p:spPr>
+          <a:xfrm>
+            <a:off x="504000" y="1768680"/>
+            <a:ext cx="9072000" cy="4384080"/>
+          </a:xfrm>
+          <a:prstGeom prst="rect">
+            <a:avLst/>
+          </a:prstGeom>
+        </p:spPr>
+        <p:txBody>
+          <a:bodyPr lIns="0" rIns="0" tIns="0" bIns="0"/>
+          <a:p>
+            <a:endParaRPr/>
+          </a:p>
+        </p:txBody>
+      </p:sp>
+      <p:sp>
+        <p:nvSpPr>
+          <p:cNvPr id="69" name="PlaceHolder 3"/>
+          <p:cNvSpPr>
+            <a:spLocks noGrp="1"/>
+          </p:cNvSpPr>
+          <p:nvPr>
+            <p:ph type="body"/>
+          </p:nvPr>
+        </p:nvSpPr>
+        <p:spPr>
+          <a:xfrm>
+            <a:off x="504000" y="1768680"/>
+            <a:ext cx="9072000" cy="4384080"/>
+          </a:xfrm>
+          <a:prstGeom prst="rect">
+            <a:avLst/>
+          </a:prstGeom>
+        </p:spPr>
+        <p:txBody>
+          <a:bodyPr lIns="0" rIns="0" tIns="0" bIns="0"/>
+          <a:p>
+            <a:endParaRPr/>
+          </a:p>
+        </p:txBody>
+      </p:sp>
+      <p:pic>
+        <p:nvPicPr>
+          <p:cNvPr id="70" name="" descr=""/>
+          <p:cNvPicPr/>
+          <p:nvPr/>
+        </p:nvPicPr>
+        <p:blipFill>
+          <a:blip r:embed="rId2"/>
+          <a:stretch>
+            <a:fillRect/>
+          </a:stretch>
+        </p:blipFill>
+        <p:spPr>
+          <a:xfrm>
+            <a:off x="2292480" y="1768680"/>
+            <a:ext cx="5494680" cy="4384080"/>
+          </a:xfrm>
+          <a:prstGeom prst="rect">
+            <a:avLst/>
+          </a:prstGeom>
+          <a:ln>
+            <a:noFill/>
+          </a:ln>
+        </p:spPr>
+      </p:pic>
+      <p:pic>
+        <p:nvPicPr>
+          <p:cNvPr id="71" name="" descr=""/>
+          <p:cNvPicPr/>
+          <p:nvPr/>
+        </p:nvPicPr>
+        <p:blipFill>
+          <a:blip r:embed="rId3"/>
+          <a:stretch>
+            <a:fillRect/>
+          </a:stretch>
+        </p:blipFill>
+        <p:spPr>
+          <a:xfrm>
+            <a:off x="2292480" y="1768680"/>
+            <a:ext cx="5494680" cy="4384080"/>
+          </a:xfrm>
+          <a:prstGeom prst="rect">
+            <a:avLst/>
+          </a:prstGeom>
+          <a:ln>
+            <a:noFill/>
+          </a:ln>
+        </p:spPr>
+      </p:pic>
+    </p:spTree>
+  </p:cSld>
+</p:sldLayout>
+</file>
+
+<file path=ppt/slideLayouts/slideLayout25.xml><?xml version="1.0" encoding="utf-8"?>
+<p:sldLayout xmlns:a="http://schemas.openxmlformats.org/drawingml/2006/main" xmlns:p="http://schemas.openxmlformats.org/presentationml/2006/main" xmlns:r="http://schemas.openxmlformats.org/officeDocument/2006/relationships" type="blank" preserve="1">
+  <p:cSld name="Blank Slide">
+    <p:spTree>
+      <p:nvGrpSpPr>
+        <p:cNvPr id="1" name=""/>
+        <p:cNvGrpSpPr/>
+        <p:nvPr/>
+      </p:nvGrpSpPr>
+      <p:grpSpPr>
+        <a:xfrm>
+          <a:off x="0" y="0"/>
+          <a:ext cx="0" cy="0"/>
+          <a:chOff x="0" y="0"/>
+          <a:chExt cx="0" cy="0"/>
+        </a:xfrm>
+      </p:grpSpPr>
+    </p:spTree>
+  </p:cSld>
+</p:sldLayout>
+</file>
+
+<file path=ppt/slideLayouts/slideLayout26.xml><?xml version="1.0" encoding="utf-8"?>
+<p:sldLayout xmlns:a="http://schemas.openxmlformats.org/drawingml/2006/main" xmlns:p="http://schemas.openxmlformats.org/presentationml/2006/main" xmlns:r="http://schemas.openxmlformats.org/officeDocument/2006/relationships" type="tx" preserve="1">
+  <p:cSld name="Title Slide">
+    <p:spTree>
+      <p:nvGrpSpPr>
+        <p:cNvPr id="1" name=""/>
+        <p:cNvGrpSpPr/>
+        <p:nvPr/>
+      </p:nvGrpSpPr>
+      <p:grpSpPr>
+        <a:xfrm>
+          <a:off x="0" y="0"/>
+          <a:ext cx="0" cy="0"/>
+          <a:chOff x="0" y="0"/>
+          <a:chExt cx="0" cy="0"/>
+        </a:xfrm>
+      </p:grpSpPr>
+      <p:sp>
+        <p:nvSpPr>
+          <p:cNvPr id="74" name="PlaceHolder 1"/>
+          <p:cNvSpPr>
+            <a:spLocks noGrp="1"/>
+          </p:cNvSpPr>
+          <p:nvPr>
+            <p:ph type="title"/>
+          </p:nvPr>
+        </p:nvSpPr>
+        <p:spPr>
+          <a:xfrm>
+            <a:off x="504000" y="301320"/>
+            <a:ext cx="9072000" cy="1262160"/>
+          </a:xfrm>
+          <a:prstGeom prst="rect">
+            <a:avLst/>
+          </a:prstGeom>
+        </p:spPr>
+        <p:txBody>
+          <a:bodyPr lIns="0" rIns="0" tIns="0" bIns="0" anchor="ctr"/>
+          <a:p>
+            <a:pPr algn="ctr"/>
+            <a:endParaRPr/>
+          </a:p>
+        </p:txBody>
+      </p:sp>
+      <p:sp>
+        <p:nvSpPr>
+          <p:cNvPr id="75" name="PlaceHolder 2"/>
+          <p:cNvSpPr>
+            <a:spLocks noGrp="1"/>
+          </p:cNvSpPr>
+          <p:nvPr>
+            <p:ph type="subTitle"/>
+          </p:nvPr>
+        </p:nvSpPr>
+        <p:spPr>
+          <a:xfrm>
+            <a:off x="504000" y="1768680"/>
+            <a:ext cx="9072000" cy="4384440"/>
+          </a:xfrm>
+          <a:prstGeom prst="rect">
+            <a:avLst/>
+          </a:prstGeom>
+        </p:spPr>
+        <p:txBody>
+          <a:bodyPr lIns="0" rIns="0" tIns="0" bIns="0" anchor="ctr"/>
+          <a:p>
+            <a:pPr algn="ctr"/>
+            <a:endParaRPr/>
+          </a:p>
+        </p:txBody>
+      </p:sp>
+    </p:spTree>
+  </p:cSld>
+</p:sldLayout>
+</file>
+
+<file path=ppt/slideLayouts/slideLayout27.xml><?xml version="1.0" encoding="utf-8"?>
+<p:sldLayout xmlns:a="http://schemas.openxmlformats.org/drawingml/2006/main" xmlns:p="http://schemas.openxmlformats.org/presentationml/2006/main" xmlns:r="http://schemas.openxmlformats.org/officeDocument/2006/relationships" type="obj" preserve="1">
+  <p:cSld name="Title, Content">
+    <p:spTree>
+      <p:nvGrpSpPr>
+        <p:cNvPr id="1" name=""/>
+        <p:cNvGrpSpPr/>
+        <p:nvPr/>
+      </p:nvGrpSpPr>
+      <p:grpSpPr>
+        <a:xfrm>
+          <a:off x="0" y="0"/>
+          <a:ext cx="0" cy="0"/>
+          <a:chOff x="0" y="0"/>
+          <a:chExt cx="0" cy="0"/>
+        </a:xfrm>
+      </p:grpSpPr>
+      <p:sp>
+        <p:nvSpPr>
+          <p:cNvPr id="76" name="PlaceHolder 1"/>
+          <p:cNvSpPr>
+            <a:spLocks noGrp="1"/>
+          </p:cNvSpPr>
+          <p:nvPr>
+            <p:ph type="title"/>
+          </p:nvPr>
+        </p:nvSpPr>
+        <p:spPr>
+          <a:xfrm>
+            <a:off x="504000" y="301320"/>
+            <a:ext cx="9072000" cy="1262160"/>
+          </a:xfrm>
+          <a:prstGeom prst="rect">
+            <a:avLst/>
+          </a:prstGeom>
+        </p:spPr>
+        <p:txBody>
+          <a:bodyPr lIns="0" rIns="0" tIns="0" bIns="0" anchor="ctr"/>
+          <a:p>
+            <a:pPr algn="ctr"/>
+            <a:endParaRPr/>
+          </a:p>
+        </p:txBody>
+      </p:sp>
+      <p:sp>
+        <p:nvSpPr>
+          <p:cNvPr id="77" name="PlaceHolder 2"/>
+          <p:cNvSpPr>
+            <a:spLocks noGrp="1"/>
+          </p:cNvSpPr>
+          <p:nvPr>
+            <p:ph type="body"/>
+          </p:nvPr>
+        </p:nvSpPr>
+        <p:spPr>
+          <a:xfrm>
+            <a:off x="504000" y="1768680"/>
+            <a:ext cx="9072000" cy="4384080"/>
+          </a:xfrm>
+          <a:prstGeom prst="rect">
+            <a:avLst/>
+          </a:prstGeom>
+        </p:spPr>
+        <p:txBody>
+          <a:bodyPr lIns="0" rIns="0" tIns="0" bIns="0"/>
+          <a:p>
+            <a:endParaRPr/>
+          </a:p>
+        </p:txBody>
+      </p:sp>
+    </p:spTree>
+  </p:cSld>
+</p:sldLayout>
+</file>
+
+<file path=ppt/slideLayouts/slideLayout28.xml><?xml version="1.0" encoding="utf-8"?>
+<p:sldLayout xmlns:a="http://schemas.openxmlformats.org/drawingml/2006/main" xmlns:p="http://schemas.openxmlformats.org/presentationml/2006/main" xmlns:r="http://schemas.openxmlformats.org/officeDocument/2006/relationships" type="twoObj" preserve="1">
+  <p:cSld name="Title, 2 Content">
+    <p:spTree>
+      <p:nvGrpSpPr>
+        <p:cNvPr id="1" name=""/>
+        <p:cNvGrpSpPr/>
+        <p:nvPr/>
+      </p:nvGrpSpPr>
+      <p:grpSpPr>
+        <a:xfrm>
+          <a:off x="0" y="0"/>
+          <a:ext cx="0" cy="0"/>
+          <a:chOff x="0" y="0"/>
+          <a:chExt cx="0" cy="0"/>
+        </a:xfrm>
+      </p:grpSpPr>
+      <p:sp>
+        <p:nvSpPr>
+          <p:cNvPr id="78" name="PlaceHolder 1"/>
+          <p:cNvSpPr>
+            <a:spLocks noGrp="1"/>
+          </p:cNvSpPr>
+          <p:nvPr>
+            <p:ph type="title"/>
+          </p:nvPr>
+        </p:nvSpPr>
+        <p:spPr>
+          <a:xfrm>
+            <a:off x="504000" y="301320"/>
+            <a:ext cx="9072000" cy="1262160"/>
+          </a:xfrm>
+          <a:prstGeom prst="rect">
+            <a:avLst/>
+          </a:prstGeom>
+        </p:spPr>
+        <p:txBody>
+          <a:bodyPr lIns="0" rIns="0" tIns="0" bIns="0" anchor="ctr"/>
+          <a:p>
+            <a:pPr algn="ctr"/>
+            <a:endParaRPr/>
+          </a:p>
+        </p:txBody>
+      </p:sp>
+      <p:sp>
+        <p:nvSpPr>
+          <p:cNvPr id="79" name="PlaceHolder 2"/>
+          <p:cNvSpPr>
+            <a:spLocks noGrp="1"/>
+          </p:cNvSpPr>
+          <p:nvPr>
+            <p:ph type="body"/>
+          </p:nvPr>
+        </p:nvSpPr>
+        <p:spPr>
+          <a:xfrm>
+            <a:off x="504000" y="1768680"/>
+            <a:ext cx="4426920" cy="4384080"/>
+          </a:xfrm>
+          <a:prstGeom prst="rect">
+            <a:avLst/>
+          </a:prstGeom>
+        </p:spPr>
+        <p:txBody>
+          <a:bodyPr lIns="0" rIns="0" tIns="0" bIns="0"/>
+          <a:p>
+            <a:endParaRPr/>
+          </a:p>
+        </p:txBody>
+      </p:sp>
+      <p:sp>
+        <p:nvSpPr>
+          <p:cNvPr id="80" name="PlaceHolder 3"/>
+          <p:cNvSpPr>
+            <a:spLocks noGrp="1"/>
+          </p:cNvSpPr>
+          <p:nvPr>
+            <p:ph type="body"/>
+          </p:nvPr>
+        </p:nvSpPr>
+        <p:spPr>
+          <a:xfrm>
+            <a:off x="5152680" y="1768680"/>
+            <a:ext cx="4426920" cy="4384080"/>
+          </a:xfrm>
+          <a:prstGeom prst="rect">
+            <a:avLst/>
+          </a:prstGeom>
+        </p:spPr>
+        <p:txBody>
+          <a:bodyPr lIns="0" rIns="0" tIns="0" bIns="0"/>
+          <a:p>
+            <a:endParaRPr/>
+          </a:p>
+        </p:txBody>
+      </p:sp>
+    </p:spTree>
+  </p:cSld>
+</p:sldLayout>
+</file>
+
+<file path=ppt/slideLayouts/slideLayout29.xml><?xml version="1.0" encoding="utf-8"?>
+<p:sldLayout xmlns:a="http://schemas.openxmlformats.org/drawingml/2006/main" xmlns:p="http://schemas.openxmlformats.org/presentationml/2006/main" xmlns:r="http://schemas.openxmlformats.org/officeDocument/2006/relationships" type="titleOnly" preserve="1">
+  <p:cSld name="Title Only">
+    <p:spTree>
+      <p:nvGrpSpPr>
+        <p:cNvPr id="1" name=""/>
+        <p:cNvGrpSpPr/>
+        <p:nvPr/>
+      </p:nvGrpSpPr>
+      <p:grpSpPr>
+        <a:xfrm>
+          <a:off x="0" y="0"/>
+          <a:ext cx="0" cy="0"/>
+          <a:chOff x="0" y="0"/>
+          <a:chExt cx="0" cy="0"/>
+        </a:xfrm>
+      </p:grpSpPr>
+      <p:sp>
+        <p:nvSpPr>
+          <p:cNvPr id="81" name="PlaceHolder 1"/>
+          <p:cNvSpPr>
+            <a:spLocks noGrp="1"/>
+          </p:cNvSpPr>
+          <p:nvPr>
+            <p:ph type="title"/>
+          </p:nvPr>
+        </p:nvSpPr>
+        <p:spPr>
+          <a:xfrm>
+            <a:off x="504000" y="301320"/>
+            <a:ext cx="9072000" cy="1262160"/>
           </a:xfrm>
           <a:prstGeom prst="rect">
             <a:avLst/>
@@ -544,7 +2027,7 @@
       </p:grpSpPr>
       <p:sp>
         <p:nvSpPr>
-          <p:cNvPr id="7" name="PlaceHolder 1"/>
+          <p:cNvPr id="4" name="PlaceHolder 1"/>
           <p:cNvSpPr>
             <a:spLocks noGrp="1"/>
           </p:cNvSpPr>
@@ -555,7 +2038,7 @@
         <p:spPr>
           <a:xfrm>
             <a:off x="504000" y="301320"/>
-            <a:ext cx="9071640" cy="1262520"/>
+            <a:ext cx="9072000" cy="1262160"/>
           </a:xfrm>
           <a:prstGeom prst="rect">
             <a:avLst/>
@@ -571,7 +2054,7 @@
       </p:sp>
       <p:sp>
         <p:nvSpPr>
-          <p:cNvPr id="8" name="PlaceHolder 2"/>
+          <p:cNvPr id="5" name="PlaceHolder 2"/>
           <p:cNvSpPr>
             <a:spLocks noGrp="1"/>
           </p:cNvSpPr>
@@ -581,8 +2064,8 @@
         </p:nvSpPr>
         <p:spPr>
           <a:xfrm>
-            <a:off x="504000" y="1769040"/>
-            <a:ext cx="9071640" cy="4384440"/>
+            <a:off x="504000" y="1768680"/>
+            <a:ext cx="9072000" cy="4384080"/>
           </a:xfrm>
           <a:prstGeom prst="rect">
             <a:avLst/>
@@ -595,6 +2078,841 @@
           </a:p>
         </p:txBody>
       </p:sp>
+    </p:spTree>
+  </p:cSld>
+</p:sldLayout>
+</file>
+
+<file path=ppt/slideLayouts/slideLayout30.xml><?xml version="1.0" encoding="utf-8"?>
+<p:sldLayout xmlns:a="http://schemas.openxmlformats.org/drawingml/2006/main" xmlns:p="http://schemas.openxmlformats.org/presentationml/2006/main" xmlns:r="http://schemas.openxmlformats.org/officeDocument/2006/relationships" type="objOnly" preserve="1">
+  <p:cSld name="Centered Text">
+    <p:spTree>
+      <p:nvGrpSpPr>
+        <p:cNvPr id="1" name=""/>
+        <p:cNvGrpSpPr/>
+        <p:nvPr/>
+      </p:nvGrpSpPr>
+      <p:grpSpPr>
+        <a:xfrm>
+          <a:off x="0" y="0"/>
+          <a:ext cx="0" cy="0"/>
+          <a:chOff x="0" y="0"/>
+          <a:chExt cx="0" cy="0"/>
+        </a:xfrm>
+      </p:grpSpPr>
+      <p:sp>
+        <p:nvSpPr>
+          <p:cNvPr id="82" name="PlaceHolder 1"/>
+          <p:cNvSpPr>
+            <a:spLocks noGrp="1"/>
+          </p:cNvSpPr>
+          <p:nvPr>
+            <p:ph type="subTitle"/>
+          </p:nvPr>
+        </p:nvSpPr>
+        <p:spPr>
+          <a:xfrm>
+            <a:off x="504000" y="301320"/>
+            <a:ext cx="9072000" cy="5850720"/>
+          </a:xfrm>
+          <a:prstGeom prst="rect">
+            <a:avLst/>
+          </a:prstGeom>
+        </p:spPr>
+        <p:txBody>
+          <a:bodyPr lIns="0" rIns="0" tIns="0" bIns="0" anchor="ctr"/>
+          <a:p>
+            <a:pPr algn="ctr"/>
+            <a:endParaRPr/>
+          </a:p>
+        </p:txBody>
+      </p:sp>
+    </p:spTree>
+  </p:cSld>
+</p:sldLayout>
+</file>
+
+<file path=ppt/slideLayouts/slideLayout31.xml><?xml version="1.0" encoding="utf-8"?>
+<p:sldLayout xmlns:a="http://schemas.openxmlformats.org/drawingml/2006/main" xmlns:p="http://schemas.openxmlformats.org/presentationml/2006/main" xmlns:r="http://schemas.openxmlformats.org/officeDocument/2006/relationships" type="twoObjAndObj" preserve="1">
+  <p:cSld name="Title, 2 Content and Content">
+    <p:spTree>
+      <p:nvGrpSpPr>
+        <p:cNvPr id="1" name=""/>
+        <p:cNvGrpSpPr/>
+        <p:nvPr/>
+      </p:nvGrpSpPr>
+      <p:grpSpPr>
+        <a:xfrm>
+          <a:off x="0" y="0"/>
+          <a:ext cx="0" cy="0"/>
+          <a:chOff x="0" y="0"/>
+          <a:chExt cx="0" cy="0"/>
+        </a:xfrm>
+      </p:grpSpPr>
+      <p:sp>
+        <p:nvSpPr>
+          <p:cNvPr id="83" name="PlaceHolder 1"/>
+          <p:cNvSpPr>
+            <a:spLocks noGrp="1"/>
+          </p:cNvSpPr>
+          <p:nvPr>
+            <p:ph type="title"/>
+          </p:nvPr>
+        </p:nvSpPr>
+        <p:spPr>
+          <a:xfrm>
+            <a:off x="504000" y="301320"/>
+            <a:ext cx="9072000" cy="1262160"/>
+          </a:xfrm>
+          <a:prstGeom prst="rect">
+            <a:avLst/>
+          </a:prstGeom>
+        </p:spPr>
+        <p:txBody>
+          <a:bodyPr lIns="0" rIns="0" tIns="0" bIns="0" anchor="ctr"/>
+          <a:p>
+            <a:pPr algn="ctr"/>
+            <a:endParaRPr/>
+          </a:p>
+        </p:txBody>
+      </p:sp>
+      <p:sp>
+        <p:nvSpPr>
+          <p:cNvPr id="84" name="PlaceHolder 2"/>
+          <p:cNvSpPr>
+            <a:spLocks noGrp="1"/>
+          </p:cNvSpPr>
+          <p:nvPr>
+            <p:ph type="body"/>
+          </p:nvPr>
+        </p:nvSpPr>
+        <p:spPr>
+          <a:xfrm>
+            <a:off x="504000" y="1768680"/>
+            <a:ext cx="4426920" cy="2090880"/>
+          </a:xfrm>
+          <a:prstGeom prst="rect">
+            <a:avLst/>
+          </a:prstGeom>
+        </p:spPr>
+        <p:txBody>
+          <a:bodyPr lIns="0" rIns="0" tIns="0" bIns="0"/>
+          <a:p>
+            <a:endParaRPr/>
+          </a:p>
+        </p:txBody>
+      </p:sp>
+      <p:sp>
+        <p:nvSpPr>
+          <p:cNvPr id="85" name="PlaceHolder 3"/>
+          <p:cNvSpPr>
+            <a:spLocks noGrp="1"/>
+          </p:cNvSpPr>
+          <p:nvPr>
+            <p:ph type="body"/>
+          </p:nvPr>
+        </p:nvSpPr>
+        <p:spPr>
+          <a:xfrm>
+            <a:off x="504000" y="4058640"/>
+            <a:ext cx="4426920" cy="2090880"/>
+          </a:xfrm>
+          <a:prstGeom prst="rect">
+            <a:avLst/>
+          </a:prstGeom>
+        </p:spPr>
+        <p:txBody>
+          <a:bodyPr lIns="0" rIns="0" tIns="0" bIns="0"/>
+          <a:p>
+            <a:endParaRPr/>
+          </a:p>
+        </p:txBody>
+      </p:sp>
+      <p:sp>
+        <p:nvSpPr>
+          <p:cNvPr id="86" name="PlaceHolder 4"/>
+          <p:cNvSpPr>
+            <a:spLocks noGrp="1"/>
+          </p:cNvSpPr>
+          <p:nvPr>
+            <p:ph type="body"/>
+          </p:nvPr>
+        </p:nvSpPr>
+        <p:spPr>
+          <a:xfrm>
+            <a:off x="5152680" y="1768680"/>
+            <a:ext cx="4426920" cy="4384080"/>
+          </a:xfrm>
+          <a:prstGeom prst="rect">
+            <a:avLst/>
+          </a:prstGeom>
+        </p:spPr>
+        <p:txBody>
+          <a:bodyPr lIns="0" rIns="0" tIns="0" bIns="0"/>
+          <a:p>
+            <a:endParaRPr/>
+          </a:p>
+        </p:txBody>
+      </p:sp>
+    </p:spTree>
+  </p:cSld>
+</p:sldLayout>
+</file>
+
+<file path=ppt/slideLayouts/slideLayout32.xml><?xml version="1.0" encoding="utf-8"?>
+<p:sldLayout xmlns:a="http://schemas.openxmlformats.org/drawingml/2006/main" xmlns:p="http://schemas.openxmlformats.org/presentationml/2006/main" xmlns:r="http://schemas.openxmlformats.org/officeDocument/2006/relationships" type="objAndTwoObj" preserve="1">
+  <p:cSld name="Title Content and 2 Content">
+    <p:spTree>
+      <p:nvGrpSpPr>
+        <p:cNvPr id="1" name=""/>
+        <p:cNvGrpSpPr/>
+        <p:nvPr/>
+      </p:nvGrpSpPr>
+      <p:grpSpPr>
+        <a:xfrm>
+          <a:off x="0" y="0"/>
+          <a:ext cx="0" cy="0"/>
+          <a:chOff x="0" y="0"/>
+          <a:chExt cx="0" cy="0"/>
+        </a:xfrm>
+      </p:grpSpPr>
+      <p:sp>
+        <p:nvSpPr>
+          <p:cNvPr id="87" name="PlaceHolder 1"/>
+          <p:cNvSpPr>
+            <a:spLocks noGrp="1"/>
+          </p:cNvSpPr>
+          <p:nvPr>
+            <p:ph type="title"/>
+          </p:nvPr>
+        </p:nvSpPr>
+        <p:spPr>
+          <a:xfrm>
+            <a:off x="504000" y="301320"/>
+            <a:ext cx="9072000" cy="1262160"/>
+          </a:xfrm>
+          <a:prstGeom prst="rect">
+            <a:avLst/>
+          </a:prstGeom>
+        </p:spPr>
+        <p:txBody>
+          <a:bodyPr lIns="0" rIns="0" tIns="0" bIns="0" anchor="ctr"/>
+          <a:p>
+            <a:pPr algn="ctr"/>
+            <a:endParaRPr/>
+          </a:p>
+        </p:txBody>
+      </p:sp>
+      <p:sp>
+        <p:nvSpPr>
+          <p:cNvPr id="88" name="PlaceHolder 2"/>
+          <p:cNvSpPr>
+            <a:spLocks noGrp="1"/>
+          </p:cNvSpPr>
+          <p:nvPr>
+            <p:ph type="body"/>
+          </p:nvPr>
+        </p:nvSpPr>
+        <p:spPr>
+          <a:xfrm>
+            <a:off x="504000" y="1768680"/>
+            <a:ext cx="4426920" cy="4384080"/>
+          </a:xfrm>
+          <a:prstGeom prst="rect">
+            <a:avLst/>
+          </a:prstGeom>
+        </p:spPr>
+        <p:txBody>
+          <a:bodyPr lIns="0" rIns="0" tIns="0" bIns="0"/>
+          <a:p>
+            <a:endParaRPr/>
+          </a:p>
+        </p:txBody>
+      </p:sp>
+      <p:sp>
+        <p:nvSpPr>
+          <p:cNvPr id="89" name="PlaceHolder 3"/>
+          <p:cNvSpPr>
+            <a:spLocks noGrp="1"/>
+          </p:cNvSpPr>
+          <p:nvPr>
+            <p:ph type="body"/>
+          </p:nvPr>
+        </p:nvSpPr>
+        <p:spPr>
+          <a:xfrm>
+            <a:off x="5152680" y="1768680"/>
+            <a:ext cx="4426920" cy="2090880"/>
+          </a:xfrm>
+          <a:prstGeom prst="rect">
+            <a:avLst/>
+          </a:prstGeom>
+        </p:spPr>
+        <p:txBody>
+          <a:bodyPr lIns="0" rIns="0" tIns="0" bIns="0"/>
+          <a:p>
+            <a:endParaRPr/>
+          </a:p>
+        </p:txBody>
+      </p:sp>
+      <p:sp>
+        <p:nvSpPr>
+          <p:cNvPr id="90" name="PlaceHolder 4"/>
+          <p:cNvSpPr>
+            <a:spLocks noGrp="1"/>
+          </p:cNvSpPr>
+          <p:nvPr>
+            <p:ph type="body"/>
+          </p:nvPr>
+        </p:nvSpPr>
+        <p:spPr>
+          <a:xfrm>
+            <a:off x="5152680" y="4058640"/>
+            <a:ext cx="4426920" cy="2090880"/>
+          </a:xfrm>
+          <a:prstGeom prst="rect">
+            <a:avLst/>
+          </a:prstGeom>
+        </p:spPr>
+        <p:txBody>
+          <a:bodyPr lIns="0" rIns="0" tIns="0" bIns="0"/>
+          <a:p>
+            <a:endParaRPr/>
+          </a:p>
+        </p:txBody>
+      </p:sp>
+    </p:spTree>
+  </p:cSld>
+</p:sldLayout>
+</file>
+
+<file path=ppt/slideLayouts/slideLayout33.xml><?xml version="1.0" encoding="utf-8"?>
+<p:sldLayout xmlns:a="http://schemas.openxmlformats.org/drawingml/2006/main" xmlns:p="http://schemas.openxmlformats.org/presentationml/2006/main" xmlns:r="http://schemas.openxmlformats.org/officeDocument/2006/relationships" type="twoObjOverTx" preserve="1">
+  <p:cSld name="Title, 2 Content over Content">
+    <p:spTree>
+      <p:nvGrpSpPr>
+        <p:cNvPr id="1" name=""/>
+        <p:cNvGrpSpPr/>
+        <p:nvPr/>
+      </p:nvGrpSpPr>
+      <p:grpSpPr>
+        <a:xfrm>
+          <a:off x="0" y="0"/>
+          <a:ext cx="0" cy="0"/>
+          <a:chOff x="0" y="0"/>
+          <a:chExt cx="0" cy="0"/>
+        </a:xfrm>
+      </p:grpSpPr>
+      <p:sp>
+        <p:nvSpPr>
+          <p:cNvPr id="91" name="PlaceHolder 1"/>
+          <p:cNvSpPr>
+            <a:spLocks noGrp="1"/>
+          </p:cNvSpPr>
+          <p:nvPr>
+            <p:ph type="title"/>
+          </p:nvPr>
+        </p:nvSpPr>
+        <p:spPr>
+          <a:xfrm>
+            <a:off x="504000" y="301320"/>
+            <a:ext cx="9072000" cy="1262160"/>
+          </a:xfrm>
+          <a:prstGeom prst="rect">
+            <a:avLst/>
+          </a:prstGeom>
+        </p:spPr>
+        <p:txBody>
+          <a:bodyPr lIns="0" rIns="0" tIns="0" bIns="0" anchor="ctr"/>
+          <a:p>
+            <a:pPr algn="ctr"/>
+            <a:endParaRPr/>
+          </a:p>
+        </p:txBody>
+      </p:sp>
+      <p:sp>
+        <p:nvSpPr>
+          <p:cNvPr id="92" name="PlaceHolder 2"/>
+          <p:cNvSpPr>
+            <a:spLocks noGrp="1"/>
+          </p:cNvSpPr>
+          <p:nvPr>
+            <p:ph type="body"/>
+          </p:nvPr>
+        </p:nvSpPr>
+        <p:spPr>
+          <a:xfrm>
+            <a:off x="504000" y="1768680"/>
+            <a:ext cx="4426920" cy="2090880"/>
+          </a:xfrm>
+          <a:prstGeom prst="rect">
+            <a:avLst/>
+          </a:prstGeom>
+        </p:spPr>
+        <p:txBody>
+          <a:bodyPr lIns="0" rIns="0" tIns="0" bIns="0"/>
+          <a:p>
+            <a:endParaRPr/>
+          </a:p>
+        </p:txBody>
+      </p:sp>
+      <p:sp>
+        <p:nvSpPr>
+          <p:cNvPr id="93" name="PlaceHolder 3"/>
+          <p:cNvSpPr>
+            <a:spLocks noGrp="1"/>
+          </p:cNvSpPr>
+          <p:nvPr>
+            <p:ph type="body"/>
+          </p:nvPr>
+        </p:nvSpPr>
+        <p:spPr>
+          <a:xfrm>
+            <a:off x="5152680" y="1768680"/>
+            <a:ext cx="4426920" cy="2090880"/>
+          </a:xfrm>
+          <a:prstGeom prst="rect">
+            <a:avLst/>
+          </a:prstGeom>
+        </p:spPr>
+        <p:txBody>
+          <a:bodyPr lIns="0" rIns="0" tIns="0" bIns="0"/>
+          <a:p>
+            <a:endParaRPr/>
+          </a:p>
+        </p:txBody>
+      </p:sp>
+      <p:sp>
+        <p:nvSpPr>
+          <p:cNvPr id="94" name="PlaceHolder 4"/>
+          <p:cNvSpPr>
+            <a:spLocks noGrp="1"/>
+          </p:cNvSpPr>
+          <p:nvPr>
+            <p:ph type="body"/>
+          </p:nvPr>
+        </p:nvSpPr>
+        <p:spPr>
+          <a:xfrm>
+            <a:off x="504000" y="4058640"/>
+            <a:ext cx="9072000" cy="2090880"/>
+          </a:xfrm>
+          <a:prstGeom prst="rect">
+            <a:avLst/>
+          </a:prstGeom>
+        </p:spPr>
+        <p:txBody>
+          <a:bodyPr lIns="0" rIns="0" tIns="0" bIns="0"/>
+          <a:p>
+            <a:endParaRPr/>
+          </a:p>
+        </p:txBody>
+      </p:sp>
+    </p:spTree>
+  </p:cSld>
+</p:sldLayout>
+</file>
+
+<file path=ppt/slideLayouts/slideLayout34.xml><?xml version="1.0" encoding="utf-8"?>
+<p:sldLayout xmlns:a="http://schemas.openxmlformats.org/drawingml/2006/main" xmlns:p="http://schemas.openxmlformats.org/presentationml/2006/main" xmlns:r="http://schemas.openxmlformats.org/officeDocument/2006/relationships" type="objOverTx" preserve="1">
+  <p:cSld name="Title, Content over Content">
+    <p:spTree>
+      <p:nvGrpSpPr>
+        <p:cNvPr id="1" name=""/>
+        <p:cNvGrpSpPr/>
+        <p:nvPr/>
+      </p:nvGrpSpPr>
+      <p:grpSpPr>
+        <a:xfrm>
+          <a:off x="0" y="0"/>
+          <a:ext cx="0" cy="0"/>
+          <a:chOff x="0" y="0"/>
+          <a:chExt cx="0" cy="0"/>
+        </a:xfrm>
+      </p:grpSpPr>
+      <p:sp>
+        <p:nvSpPr>
+          <p:cNvPr id="95" name="PlaceHolder 1"/>
+          <p:cNvSpPr>
+            <a:spLocks noGrp="1"/>
+          </p:cNvSpPr>
+          <p:nvPr>
+            <p:ph type="title"/>
+          </p:nvPr>
+        </p:nvSpPr>
+        <p:spPr>
+          <a:xfrm>
+            <a:off x="504000" y="301320"/>
+            <a:ext cx="9072000" cy="1262160"/>
+          </a:xfrm>
+          <a:prstGeom prst="rect">
+            <a:avLst/>
+          </a:prstGeom>
+        </p:spPr>
+        <p:txBody>
+          <a:bodyPr lIns="0" rIns="0" tIns="0" bIns="0" anchor="ctr"/>
+          <a:p>
+            <a:pPr algn="ctr"/>
+            <a:endParaRPr/>
+          </a:p>
+        </p:txBody>
+      </p:sp>
+      <p:sp>
+        <p:nvSpPr>
+          <p:cNvPr id="96" name="PlaceHolder 2"/>
+          <p:cNvSpPr>
+            <a:spLocks noGrp="1"/>
+          </p:cNvSpPr>
+          <p:nvPr>
+            <p:ph type="body"/>
+          </p:nvPr>
+        </p:nvSpPr>
+        <p:spPr>
+          <a:xfrm>
+            <a:off x="504000" y="1768680"/>
+            <a:ext cx="9072000" cy="2090880"/>
+          </a:xfrm>
+          <a:prstGeom prst="rect">
+            <a:avLst/>
+          </a:prstGeom>
+        </p:spPr>
+        <p:txBody>
+          <a:bodyPr lIns="0" rIns="0" tIns="0" bIns="0"/>
+          <a:p>
+            <a:endParaRPr/>
+          </a:p>
+        </p:txBody>
+      </p:sp>
+      <p:sp>
+        <p:nvSpPr>
+          <p:cNvPr id="97" name="PlaceHolder 3"/>
+          <p:cNvSpPr>
+            <a:spLocks noGrp="1"/>
+          </p:cNvSpPr>
+          <p:nvPr>
+            <p:ph type="body"/>
+          </p:nvPr>
+        </p:nvSpPr>
+        <p:spPr>
+          <a:xfrm>
+            <a:off x="504000" y="4058640"/>
+            <a:ext cx="9072000" cy="2090880"/>
+          </a:xfrm>
+          <a:prstGeom prst="rect">
+            <a:avLst/>
+          </a:prstGeom>
+        </p:spPr>
+        <p:txBody>
+          <a:bodyPr lIns="0" rIns="0" tIns="0" bIns="0"/>
+          <a:p>
+            <a:endParaRPr/>
+          </a:p>
+        </p:txBody>
+      </p:sp>
+    </p:spTree>
+  </p:cSld>
+</p:sldLayout>
+</file>
+
+<file path=ppt/slideLayouts/slideLayout35.xml><?xml version="1.0" encoding="utf-8"?>
+<p:sldLayout xmlns:a="http://schemas.openxmlformats.org/drawingml/2006/main" xmlns:p="http://schemas.openxmlformats.org/presentationml/2006/main" xmlns:r="http://schemas.openxmlformats.org/officeDocument/2006/relationships" type="fourObj" preserve="1">
+  <p:cSld name="Title, 4 Content">
+    <p:spTree>
+      <p:nvGrpSpPr>
+        <p:cNvPr id="1" name=""/>
+        <p:cNvGrpSpPr/>
+        <p:nvPr/>
+      </p:nvGrpSpPr>
+      <p:grpSpPr>
+        <a:xfrm>
+          <a:off x="0" y="0"/>
+          <a:ext cx="0" cy="0"/>
+          <a:chOff x="0" y="0"/>
+          <a:chExt cx="0" cy="0"/>
+        </a:xfrm>
+      </p:grpSpPr>
+      <p:sp>
+        <p:nvSpPr>
+          <p:cNvPr id="98" name="PlaceHolder 1"/>
+          <p:cNvSpPr>
+            <a:spLocks noGrp="1"/>
+          </p:cNvSpPr>
+          <p:nvPr>
+            <p:ph type="title"/>
+          </p:nvPr>
+        </p:nvSpPr>
+        <p:spPr>
+          <a:xfrm>
+            <a:off x="504000" y="301320"/>
+            <a:ext cx="9072000" cy="1262160"/>
+          </a:xfrm>
+          <a:prstGeom prst="rect">
+            <a:avLst/>
+          </a:prstGeom>
+        </p:spPr>
+        <p:txBody>
+          <a:bodyPr lIns="0" rIns="0" tIns="0" bIns="0" anchor="ctr"/>
+          <a:p>
+            <a:pPr algn="ctr"/>
+            <a:endParaRPr/>
+          </a:p>
+        </p:txBody>
+      </p:sp>
+      <p:sp>
+        <p:nvSpPr>
+          <p:cNvPr id="99" name="PlaceHolder 2"/>
+          <p:cNvSpPr>
+            <a:spLocks noGrp="1"/>
+          </p:cNvSpPr>
+          <p:nvPr>
+            <p:ph type="body"/>
+          </p:nvPr>
+        </p:nvSpPr>
+        <p:spPr>
+          <a:xfrm>
+            <a:off x="504000" y="1768680"/>
+            <a:ext cx="4426920" cy="2090880"/>
+          </a:xfrm>
+          <a:prstGeom prst="rect">
+            <a:avLst/>
+          </a:prstGeom>
+        </p:spPr>
+        <p:txBody>
+          <a:bodyPr lIns="0" rIns="0" tIns="0" bIns="0"/>
+          <a:p>
+            <a:endParaRPr/>
+          </a:p>
+        </p:txBody>
+      </p:sp>
+      <p:sp>
+        <p:nvSpPr>
+          <p:cNvPr id="100" name="PlaceHolder 3"/>
+          <p:cNvSpPr>
+            <a:spLocks noGrp="1"/>
+          </p:cNvSpPr>
+          <p:nvPr>
+            <p:ph type="body"/>
+          </p:nvPr>
+        </p:nvSpPr>
+        <p:spPr>
+          <a:xfrm>
+            <a:off x="5152680" y="1768680"/>
+            <a:ext cx="4426920" cy="2090880"/>
+          </a:xfrm>
+          <a:prstGeom prst="rect">
+            <a:avLst/>
+          </a:prstGeom>
+        </p:spPr>
+        <p:txBody>
+          <a:bodyPr lIns="0" rIns="0" tIns="0" bIns="0"/>
+          <a:p>
+            <a:endParaRPr/>
+          </a:p>
+        </p:txBody>
+      </p:sp>
+      <p:sp>
+        <p:nvSpPr>
+          <p:cNvPr id="101" name="PlaceHolder 4"/>
+          <p:cNvSpPr>
+            <a:spLocks noGrp="1"/>
+          </p:cNvSpPr>
+          <p:nvPr>
+            <p:ph type="body"/>
+          </p:nvPr>
+        </p:nvSpPr>
+        <p:spPr>
+          <a:xfrm>
+            <a:off x="5152680" y="4058640"/>
+            <a:ext cx="4426920" cy="2090880"/>
+          </a:xfrm>
+          <a:prstGeom prst="rect">
+            <a:avLst/>
+          </a:prstGeom>
+        </p:spPr>
+        <p:txBody>
+          <a:bodyPr lIns="0" rIns="0" tIns="0" bIns="0"/>
+          <a:p>
+            <a:endParaRPr/>
+          </a:p>
+        </p:txBody>
+      </p:sp>
+      <p:sp>
+        <p:nvSpPr>
+          <p:cNvPr id="102" name="PlaceHolder 5"/>
+          <p:cNvSpPr>
+            <a:spLocks noGrp="1"/>
+          </p:cNvSpPr>
+          <p:nvPr>
+            <p:ph type="body"/>
+          </p:nvPr>
+        </p:nvSpPr>
+        <p:spPr>
+          <a:xfrm>
+            <a:off x="504000" y="4058640"/>
+            <a:ext cx="4426920" cy="2090880"/>
+          </a:xfrm>
+          <a:prstGeom prst="rect">
+            <a:avLst/>
+          </a:prstGeom>
+        </p:spPr>
+        <p:txBody>
+          <a:bodyPr lIns="0" rIns="0" tIns="0" bIns="0"/>
+          <a:p>
+            <a:endParaRPr/>
+          </a:p>
+        </p:txBody>
+      </p:sp>
+    </p:spTree>
+  </p:cSld>
+</p:sldLayout>
+</file>
+
+<file path=ppt/slideLayouts/slideLayout36.xml><?xml version="1.0" encoding="utf-8"?>
+<p:sldLayout xmlns:a="http://schemas.openxmlformats.org/drawingml/2006/main" xmlns:p="http://schemas.openxmlformats.org/presentationml/2006/main" xmlns:r="http://schemas.openxmlformats.org/officeDocument/2006/relationships" type="blank" preserve="1">
+  <p:cSld name="Title, 6 Content">
+    <p:spTree>
+      <p:nvGrpSpPr>
+        <p:cNvPr id="1" name=""/>
+        <p:cNvGrpSpPr/>
+        <p:nvPr/>
+      </p:nvGrpSpPr>
+      <p:grpSpPr>
+        <a:xfrm>
+          <a:off x="0" y="0"/>
+          <a:ext cx="0" cy="0"/>
+          <a:chOff x="0" y="0"/>
+          <a:chExt cx="0" cy="0"/>
+        </a:xfrm>
+      </p:grpSpPr>
+      <p:sp>
+        <p:nvSpPr>
+          <p:cNvPr id="103" name="PlaceHolder 1"/>
+          <p:cNvSpPr>
+            <a:spLocks noGrp="1"/>
+          </p:cNvSpPr>
+          <p:nvPr>
+            <p:ph type="title"/>
+          </p:nvPr>
+        </p:nvSpPr>
+        <p:spPr>
+          <a:xfrm>
+            <a:off x="504000" y="301320"/>
+            <a:ext cx="9072000" cy="1262160"/>
+          </a:xfrm>
+          <a:prstGeom prst="rect">
+            <a:avLst/>
+          </a:prstGeom>
+        </p:spPr>
+        <p:txBody>
+          <a:bodyPr lIns="0" rIns="0" tIns="0" bIns="0" anchor="ctr"/>
+          <a:p>
+            <a:pPr algn="ctr"/>
+            <a:endParaRPr/>
+          </a:p>
+        </p:txBody>
+      </p:sp>
+      <p:sp>
+        <p:nvSpPr>
+          <p:cNvPr id="104" name="PlaceHolder 2"/>
+          <p:cNvSpPr>
+            <a:spLocks noGrp="1"/>
+          </p:cNvSpPr>
+          <p:nvPr>
+            <p:ph type="body"/>
+          </p:nvPr>
+        </p:nvSpPr>
+        <p:spPr>
+          <a:xfrm>
+            <a:off x="504000" y="1768680"/>
+            <a:ext cx="9072000" cy="4384080"/>
+          </a:xfrm>
+          <a:prstGeom prst="rect">
+            <a:avLst/>
+          </a:prstGeom>
+        </p:spPr>
+        <p:txBody>
+          <a:bodyPr lIns="0" rIns="0" tIns="0" bIns="0"/>
+          <a:p>
+            <a:endParaRPr/>
+          </a:p>
+        </p:txBody>
+      </p:sp>
+      <p:sp>
+        <p:nvSpPr>
+          <p:cNvPr id="105" name="PlaceHolder 3"/>
+          <p:cNvSpPr>
+            <a:spLocks noGrp="1"/>
+          </p:cNvSpPr>
+          <p:nvPr>
+            <p:ph type="body"/>
+          </p:nvPr>
+        </p:nvSpPr>
+        <p:spPr>
+          <a:xfrm>
+            <a:off x="504000" y="1768680"/>
+            <a:ext cx="9072000" cy="4384080"/>
+          </a:xfrm>
+          <a:prstGeom prst="rect">
+            <a:avLst/>
+          </a:prstGeom>
+        </p:spPr>
+        <p:txBody>
+          <a:bodyPr lIns="0" rIns="0" tIns="0" bIns="0"/>
+          <a:p>
+            <a:endParaRPr/>
+          </a:p>
+        </p:txBody>
+      </p:sp>
+      <p:pic>
+        <p:nvPicPr>
+          <p:cNvPr id="106" name="" descr=""/>
+          <p:cNvPicPr/>
+          <p:nvPr/>
+        </p:nvPicPr>
+        <p:blipFill>
+          <a:blip r:embed="rId2"/>
+          <a:stretch>
+            <a:fillRect/>
+          </a:stretch>
+        </p:blipFill>
+        <p:spPr>
+          <a:xfrm>
+            <a:off x="2292480" y="1768680"/>
+            <a:ext cx="5494680" cy="4384080"/>
+          </a:xfrm>
+          <a:prstGeom prst="rect">
+            <a:avLst/>
+          </a:prstGeom>
+          <a:ln>
+            <a:noFill/>
+          </a:ln>
+        </p:spPr>
+      </p:pic>
+      <p:pic>
+        <p:nvPicPr>
+          <p:cNvPr id="107" name="" descr=""/>
+          <p:cNvPicPr/>
+          <p:nvPr/>
+        </p:nvPicPr>
+        <p:blipFill>
+          <a:blip r:embed="rId3"/>
+          <a:stretch>
+            <a:fillRect/>
+          </a:stretch>
+        </p:blipFill>
+        <p:spPr>
+          <a:xfrm>
+            <a:off x="2292480" y="1768680"/>
+            <a:ext cx="5494680" cy="4384080"/>
+          </a:xfrm>
+          <a:prstGeom prst="rect">
+            <a:avLst/>
+          </a:prstGeom>
+          <a:ln>
+            <a:noFill/>
+          </a:ln>
+        </p:spPr>
+      </p:pic>
     </p:spTree>
   </p:cSld>
 </p:sldLayout>
@@ -619,7 +2937,7 @@
       </p:grpSpPr>
       <p:sp>
         <p:nvSpPr>
-          <p:cNvPr id="9" name="PlaceHolder 1"/>
+          <p:cNvPr id="6" name="PlaceHolder 1"/>
           <p:cNvSpPr>
             <a:spLocks noGrp="1"/>
           </p:cNvSpPr>
@@ -630,7 +2948,7 @@
         <p:spPr>
           <a:xfrm>
             <a:off x="504000" y="301320"/>
-            <a:ext cx="9071640" cy="1262520"/>
+            <a:ext cx="9072000" cy="1262160"/>
           </a:xfrm>
           <a:prstGeom prst="rect">
             <a:avLst/>
@@ -646,7 +2964,7 @@
       </p:sp>
       <p:sp>
         <p:nvSpPr>
-          <p:cNvPr id="10" name="PlaceHolder 2"/>
+          <p:cNvPr id="7" name="PlaceHolder 2"/>
           <p:cNvSpPr>
             <a:spLocks noGrp="1"/>
           </p:cNvSpPr>
@@ -656,8 +2974,8 @@
         </p:nvSpPr>
         <p:spPr>
           <a:xfrm>
-            <a:off x="504000" y="1769040"/>
-            <a:ext cx="4426920" cy="4384440"/>
+            <a:off x="504000" y="1768680"/>
+            <a:ext cx="4426920" cy="4384080"/>
           </a:xfrm>
           <a:prstGeom prst="rect">
             <a:avLst/>
@@ -672,7 +2990,7 @@
       </p:sp>
       <p:sp>
         <p:nvSpPr>
-          <p:cNvPr id="11" name="PlaceHolder 3"/>
+          <p:cNvPr id="8" name="PlaceHolder 3"/>
           <p:cNvSpPr>
             <a:spLocks noGrp="1"/>
           </p:cNvSpPr>
@@ -682,8 +3000,8 @@
         </p:nvSpPr>
         <p:spPr>
           <a:xfrm>
-            <a:off x="5152680" y="1769040"/>
-            <a:ext cx="4426920" cy="4384440"/>
+            <a:off x="5152680" y="1768680"/>
+            <a:ext cx="4426920" cy="4384080"/>
           </a:xfrm>
           <a:prstGeom prst="rect">
             <a:avLst/>
@@ -720,7 +3038,7 @@
       </p:grpSpPr>
       <p:sp>
         <p:nvSpPr>
-          <p:cNvPr id="12" name="PlaceHolder 1"/>
+          <p:cNvPr id="9" name="PlaceHolder 1"/>
           <p:cNvSpPr>
             <a:spLocks noGrp="1"/>
           </p:cNvSpPr>
@@ -731,7 +3049,7 @@
         <p:spPr>
           <a:xfrm>
             <a:off x="504000" y="301320"/>
-            <a:ext cx="9071640" cy="1262520"/>
+            <a:ext cx="9072000" cy="1262160"/>
           </a:xfrm>
           <a:prstGeom prst="rect">
             <a:avLst/>
@@ -769,7 +3087,7 @@
       </p:grpSpPr>
       <p:sp>
         <p:nvSpPr>
-          <p:cNvPr id="13" name="PlaceHolder 1"/>
+          <p:cNvPr id="10" name="PlaceHolder 1"/>
           <p:cNvSpPr>
             <a:spLocks noGrp="1"/>
           </p:cNvSpPr>
@@ -780,7 +3098,7 @@
         <p:spPr>
           <a:xfrm>
             <a:off x="504000" y="301320"/>
-            <a:ext cx="9071640" cy="5852160"/>
+            <a:ext cx="9072000" cy="5850720"/>
           </a:xfrm>
           <a:prstGeom prst="rect">
             <a:avLst/>
@@ -818,7 +3136,7 @@
       </p:grpSpPr>
       <p:sp>
         <p:nvSpPr>
-          <p:cNvPr id="14" name="PlaceHolder 1"/>
+          <p:cNvPr id="11" name="PlaceHolder 1"/>
           <p:cNvSpPr>
             <a:spLocks noGrp="1"/>
           </p:cNvSpPr>
@@ -829,7 +3147,7 @@
         <p:spPr>
           <a:xfrm>
             <a:off x="504000" y="301320"/>
-            <a:ext cx="9071640" cy="1262520"/>
+            <a:ext cx="9072000" cy="1262160"/>
           </a:xfrm>
           <a:prstGeom prst="rect">
             <a:avLst/>
@@ -845,7 +3163,7 @@
       </p:sp>
       <p:sp>
         <p:nvSpPr>
-          <p:cNvPr id="15" name="PlaceHolder 2"/>
+          <p:cNvPr id="12" name="PlaceHolder 2"/>
           <p:cNvSpPr>
             <a:spLocks noGrp="1"/>
           </p:cNvSpPr>
@@ -855,8 +3173,8 @@
         </p:nvSpPr>
         <p:spPr>
           <a:xfrm>
-            <a:off x="504000" y="1769040"/>
-            <a:ext cx="4426920" cy="2091240"/>
+            <a:off x="504000" y="1768680"/>
+            <a:ext cx="4426920" cy="2090880"/>
           </a:xfrm>
           <a:prstGeom prst="rect">
             <a:avLst/>
@@ -871,7 +3189,7 @@
       </p:sp>
       <p:sp>
         <p:nvSpPr>
-          <p:cNvPr id="16" name="PlaceHolder 3"/>
+          <p:cNvPr id="13" name="PlaceHolder 3"/>
           <p:cNvSpPr>
             <a:spLocks noGrp="1"/>
           </p:cNvSpPr>
@@ -881,8 +3199,8 @@
         </p:nvSpPr>
         <p:spPr>
           <a:xfrm>
-            <a:off x="504000" y="4059360"/>
-            <a:ext cx="4426920" cy="2091240"/>
+            <a:off x="504000" y="4058640"/>
+            <a:ext cx="4426920" cy="2090880"/>
           </a:xfrm>
           <a:prstGeom prst="rect">
             <a:avLst/>
@@ -897,7 +3215,7 @@
       </p:sp>
       <p:sp>
         <p:nvSpPr>
-          <p:cNvPr id="17" name="PlaceHolder 4"/>
+          <p:cNvPr id="14" name="PlaceHolder 4"/>
           <p:cNvSpPr>
             <a:spLocks noGrp="1"/>
           </p:cNvSpPr>
@@ -907,8 +3225,8 @@
         </p:nvSpPr>
         <p:spPr>
           <a:xfrm>
-            <a:off x="5152680" y="1769040"/>
-            <a:ext cx="4426920" cy="4384440"/>
+            <a:off x="5152680" y="1768680"/>
+            <a:ext cx="4426920" cy="4384080"/>
           </a:xfrm>
           <a:prstGeom prst="rect">
             <a:avLst/>
@@ -945,7 +3263,7 @@
       </p:grpSpPr>
       <p:sp>
         <p:nvSpPr>
-          <p:cNvPr id="18" name="PlaceHolder 1"/>
+          <p:cNvPr id="15" name="PlaceHolder 1"/>
           <p:cNvSpPr>
             <a:spLocks noGrp="1"/>
           </p:cNvSpPr>
@@ -956,7 +3274,7 @@
         <p:spPr>
           <a:xfrm>
             <a:off x="504000" y="301320"/>
-            <a:ext cx="9071640" cy="1262520"/>
+            <a:ext cx="9072000" cy="1262160"/>
           </a:xfrm>
           <a:prstGeom prst="rect">
             <a:avLst/>
@@ -972,7 +3290,7 @@
       </p:sp>
       <p:sp>
         <p:nvSpPr>
-          <p:cNvPr id="19" name="PlaceHolder 2"/>
+          <p:cNvPr id="16" name="PlaceHolder 2"/>
           <p:cNvSpPr>
             <a:spLocks noGrp="1"/>
           </p:cNvSpPr>
@@ -982,8 +3300,8 @@
         </p:nvSpPr>
         <p:spPr>
           <a:xfrm>
-            <a:off x="504000" y="1769040"/>
-            <a:ext cx="4426920" cy="4384440"/>
+            <a:off x="504000" y="1768680"/>
+            <a:ext cx="4426920" cy="4384080"/>
           </a:xfrm>
           <a:prstGeom prst="rect">
             <a:avLst/>
@@ -998,7 +3316,7 @@
       </p:sp>
       <p:sp>
         <p:nvSpPr>
-          <p:cNvPr id="20" name="PlaceHolder 3"/>
+          <p:cNvPr id="17" name="PlaceHolder 3"/>
           <p:cNvSpPr>
             <a:spLocks noGrp="1"/>
           </p:cNvSpPr>
@@ -1008,8 +3326,8 @@
         </p:nvSpPr>
         <p:spPr>
           <a:xfrm>
-            <a:off x="5152680" y="1769040"/>
-            <a:ext cx="4426920" cy="2091240"/>
+            <a:off x="5152680" y="1768680"/>
+            <a:ext cx="4426920" cy="2090880"/>
           </a:xfrm>
           <a:prstGeom prst="rect">
             <a:avLst/>
@@ -1024,7 +3342,7 @@
       </p:sp>
       <p:sp>
         <p:nvSpPr>
-          <p:cNvPr id="21" name="PlaceHolder 4"/>
+          <p:cNvPr id="18" name="PlaceHolder 4"/>
           <p:cNvSpPr>
             <a:spLocks noGrp="1"/>
           </p:cNvSpPr>
@@ -1034,8 +3352,8 @@
         </p:nvSpPr>
         <p:spPr>
           <a:xfrm>
-            <a:off x="5152680" y="4059360"/>
-            <a:ext cx="4426920" cy="2091240"/>
+            <a:off x="5152680" y="4058640"/>
+            <a:ext cx="4426920" cy="2090880"/>
           </a:xfrm>
           <a:prstGeom prst="rect">
             <a:avLst/>
@@ -1072,7 +3390,7 @@
       </p:grpSpPr>
       <p:sp>
         <p:nvSpPr>
-          <p:cNvPr id="22" name="PlaceHolder 1"/>
+          <p:cNvPr id="19" name="PlaceHolder 1"/>
           <p:cNvSpPr>
             <a:spLocks noGrp="1"/>
           </p:cNvSpPr>
@@ -1083,7 +3401,7 @@
         <p:spPr>
           <a:xfrm>
             <a:off x="504000" y="301320"/>
-            <a:ext cx="9071640" cy="1262520"/>
+            <a:ext cx="9072000" cy="1262160"/>
           </a:xfrm>
           <a:prstGeom prst="rect">
             <a:avLst/>
@@ -1099,7 +3417,7 @@
       </p:sp>
       <p:sp>
         <p:nvSpPr>
-          <p:cNvPr id="23" name="PlaceHolder 2"/>
+          <p:cNvPr id="20" name="PlaceHolder 2"/>
           <p:cNvSpPr>
             <a:spLocks noGrp="1"/>
           </p:cNvSpPr>
@@ -1109,8 +3427,8 @@
         </p:nvSpPr>
         <p:spPr>
           <a:xfrm>
-            <a:off x="504000" y="1769040"/>
-            <a:ext cx="4426920" cy="2091240"/>
+            <a:off x="504000" y="1768680"/>
+            <a:ext cx="4426920" cy="2090880"/>
           </a:xfrm>
           <a:prstGeom prst="rect">
             <a:avLst/>
@@ -1125,7 +3443,7 @@
       </p:sp>
       <p:sp>
         <p:nvSpPr>
-          <p:cNvPr id="24" name="PlaceHolder 3"/>
+          <p:cNvPr id="21" name="PlaceHolder 3"/>
           <p:cNvSpPr>
             <a:spLocks noGrp="1"/>
           </p:cNvSpPr>
@@ -1135,8 +3453,8 @@
         </p:nvSpPr>
         <p:spPr>
           <a:xfrm>
-            <a:off x="5152680" y="1769040"/>
-            <a:ext cx="4426920" cy="2091240"/>
+            <a:off x="5152680" y="1768680"/>
+            <a:ext cx="4426920" cy="2090880"/>
           </a:xfrm>
           <a:prstGeom prst="rect">
             <a:avLst/>
@@ -1151,7 +3469,7 @@
       </p:sp>
       <p:sp>
         <p:nvSpPr>
-          <p:cNvPr id="25" name="PlaceHolder 4"/>
+          <p:cNvPr id="22" name="PlaceHolder 4"/>
           <p:cNvSpPr>
             <a:spLocks noGrp="1"/>
           </p:cNvSpPr>
@@ -1161,8 +3479,8 @@
         </p:nvSpPr>
         <p:spPr>
           <a:xfrm>
-            <a:off x="504000" y="4059360"/>
-            <a:ext cx="9071640" cy="2091240"/>
+            <a:off x="504000" y="4058640"/>
+            <a:ext cx="9072000" cy="2090880"/>
           </a:xfrm>
           <a:prstGeom prst="rect">
             <a:avLst/>
@@ -1210,7 +3528,7 @@
         <p:spPr>
           <a:xfrm>
             <a:off x="504000" y="301320"/>
-            <a:ext cx="9071640" cy="1262160"/>
+            <a:ext cx="9071280" cy="1262160"/>
           </a:xfrm>
           <a:prstGeom prst="rect">
             <a:avLst/>
@@ -1219,9 +3537,8 @@
         <p:txBody>
           <a:bodyPr lIns="0" rIns="0" tIns="0" bIns="0" anchor="ctr"/>
           <a:p>
-            <a:pPr algn="ctr"/>
-            <a:r>
-              <a:rPr lang="en-US" sz="4400">
+            <a:r>
+              <a:rPr lang="en-US">
                 <a:latin typeface="Arial"/>
               </a:rPr>
               <a:t>Click to edit the title text format</a:t>
@@ -1242,8 +3559,8 @@
         </p:nvSpPr>
         <p:spPr>
           <a:xfrm>
-            <a:off x="504000" y="1769040"/>
-            <a:ext cx="9071640" cy="4384440"/>
+            <a:off x="504000" y="1768680"/>
+            <a:ext cx="9072000" cy="4384080"/>
           </a:xfrm>
           <a:prstGeom prst="rect">
             <a:avLst/>
@@ -1347,104 +3664,6 @@
               </a:rPr>
               <a:t>Seventh Outline Level</a:t>
             </a:r>
-            <a:endParaRPr/>
-          </a:p>
-        </p:txBody>
-      </p:sp>
-      <p:sp>
-        <p:nvSpPr>
-          <p:cNvPr id="2" name="PlaceHolder 3"/>
-          <p:cNvSpPr>
-            <a:spLocks noGrp="1"/>
-          </p:cNvSpPr>
-          <p:nvPr>
-            <p:ph type="dt"/>
-          </p:nvPr>
-        </p:nvSpPr>
-        <p:spPr>
-          <a:xfrm>
-            <a:off x="504000" y="6887160"/>
-            <a:ext cx="2348280" cy="521280"/>
-          </a:xfrm>
-          <a:prstGeom prst="rect">
-            <a:avLst/>
-          </a:prstGeom>
-        </p:spPr>
-        <p:txBody>
-          <a:bodyPr lIns="0" rIns="0" tIns="0" bIns="0"/>
-          <a:p>
-            <a:r>
-              <a:rPr lang="en-US" sz="1400">
-                <a:latin typeface="Times New Roman"/>
-              </a:rPr>
-              <a:t>&lt;date/time&gt;</a:t>
-            </a:r>
-            <a:endParaRPr/>
-          </a:p>
-        </p:txBody>
-      </p:sp>
-      <p:sp>
-        <p:nvSpPr>
-          <p:cNvPr id="3" name="PlaceHolder 4"/>
-          <p:cNvSpPr>
-            <a:spLocks noGrp="1"/>
-          </p:cNvSpPr>
-          <p:nvPr>
-            <p:ph type="ftr"/>
-          </p:nvPr>
-        </p:nvSpPr>
-        <p:spPr>
-          <a:xfrm>
-            <a:off x="3447360" y="6887160"/>
-            <a:ext cx="3195000" cy="521280"/>
-          </a:xfrm>
-          <a:prstGeom prst="rect">
-            <a:avLst/>
-          </a:prstGeom>
-        </p:spPr>
-        <p:txBody>
-          <a:bodyPr lIns="0" rIns="0" tIns="0" bIns="0"/>
-          <a:p>
-            <a:pPr algn="ctr"/>
-            <a:r>
-              <a:rPr lang="en-US" sz="1400">
-                <a:latin typeface="Times New Roman"/>
-              </a:rPr>
-              <a:t>&lt;footer&gt;</a:t>
-            </a:r>
-            <a:endParaRPr/>
-          </a:p>
-        </p:txBody>
-      </p:sp>
-      <p:sp>
-        <p:nvSpPr>
-          <p:cNvPr id="4" name="PlaceHolder 5"/>
-          <p:cNvSpPr>
-            <a:spLocks noGrp="1"/>
-          </p:cNvSpPr>
-          <p:nvPr>
-            <p:ph type="sldNum"/>
-          </p:nvPr>
-        </p:nvSpPr>
-        <p:spPr>
-          <a:xfrm>
-            <a:off x="7227360" y="6887160"/>
-            <a:ext cx="2348280" cy="521280"/>
-          </a:xfrm>
-          <a:prstGeom prst="rect">
-            <a:avLst/>
-          </a:prstGeom>
-        </p:spPr>
-        <p:txBody>
-          <a:bodyPr lIns="0" rIns="0" tIns="0" bIns="0"/>
-          <a:p>
-            <a:pPr algn="r"/>
-            <a:fld id="{0DEA9382-7C6E-410C-8CE0-BDB3BB50B639}" type="slidenum">
-              <a:rPr lang="en-US" sz="1400">
-                <a:latin typeface="Times New Roman"/>
-              </a:rPr>
-              <a:t>&lt;number&gt;</a:t>
-            </a:fld>
             <a:endParaRPr/>
           </a:p>
         </p:txBody>
@@ -1465,6 +3684,387 @@
     <p:sldLayoutId id="2147483658" r:id="rId11"/>
     <p:sldLayoutId id="2147483659" r:id="rId12"/>
     <p:sldLayoutId id="2147483660" r:id="rId13"/>
+  </p:sldLayoutIdLst>
+</p:sldMaster>
+</file>
+
+<file path=ppt/slideMasters/slideMaster2.xml><?xml version="1.0" encoding="utf-8"?>
+<p:sldMaster xmlns:a="http://schemas.openxmlformats.org/drawingml/2006/main" xmlns:p="http://schemas.openxmlformats.org/presentationml/2006/main" xmlns:r="http://schemas.openxmlformats.org/officeDocument/2006/relationships">
+  <p:cSld>
+    <p:spTree>
+      <p:nvGrpSpPr>
+        <p:cNvPr id="1" name=""/>
+        <p:cNvGrpSpPr/>
+        <p:nvPr/>
+      </p:nvGrpSpPr>
+      <p:grpSpPr>
+        <a:xfrm>
+          <a:off x="0" y="0"/>
+          <a:ext cx="0" cy="0"/>
+          <a:chOff x="0" y="0"/>
+          <a:chExt cx="0" cy="0"/>
+        </a:xfrm>
+      </p:grpSpPr>
+      <p:sp>
+        <p:nvSpPr>
+          <p:cNvPr id="36" name="PlaceHolder 1"/>
+          <p:cNvSpPr>
+            <a:spLocks noGrp="1"/>
+          </p:cNvSpPr>
+          <p:nvPr>
+            <p:ph type="title"/>
+          </p:nvPr>
+        </p:nvSpPr>
+        <p:spPr>
+          <a:xfrm>
+            <a:off x="504000" y="301320"/>
+            <a:ext cx="9071280" cy="1262160"/>
+          </a:xfrm>
+          <a:prstGeom prst="rect">
+            <a:avLst/>
+          </a:prstGeom>
+        </p:spPr>
+        <p:txBody>
+          <a:bodyPr lIns="0" rIns="0" tIns="0" bIns="0" anchor="ctr"/>
+          <a:p>
+            <a:r>
+              <a:rPr lang="en-US">
+                <a:latin typeface="Arial"/>
+              </a:rPr>
+              <a:t>Click to edit the title text format</a:t>
+            </a:r>
+            <a:endParaRPr/>
+          </a:p>
+        </p:txBody>
+      </p:sp>
+      <p:sp>
+        <p:nvSpPr>
+          <p:cNvPr id="37" name="PlaceHolder 2"/>
+          <p:cNvSpPr>
+            <a:spLocks noGrp="1"/>
+          </p:cNvSpPr>
+          <p:nvPr>
+            <p:ph type="body"/>
+          </p:nvPr>
+        </p:nvSpPr>
+        <p:spPr>
+          <a:xfrm>
+            <a:off x="504000" y="1769040"/>
+            <a:ext cx="9071280" cy="4384080"/>
+          </a:xfrm>
+          <a:prstGeom prst="rect">
+            <a:avLst/>
+          </a:prstGeom>
+        </p:spPr>
+        <p:txBody>
+          <a:bodyPr lIns="0" rIns="0" tIns="0" bIns="0"/>
+          <a:p>
+            <a:pPr>
+              <a:buSzPct val="45000"/>
+              <a:buFont typeface="StarSymbol"/>
+              <a:buChar char=""/>
+            </a:pPr>
+            <a:r>
+              <a:rPr lang="en-US">
+                <a:latin typeface="Arial"/>
+              </a:rPr>
+              <a:t>Click to edit the outline text format</a:t>
+            </a:r>
+            <a:endParaRPr/>
+          </a:p>
+          <a:p>
+            <a:pPr lvl="1">
+              <a:buSzPct val="75000"/>
+              <a:buFont typeface="StarSymbol"/>
+              <a:buChar char=""/>
+            </a:pPr>
+            <a:r>
+              <a:rPr lang="en-US">
+                <a:latin typeface="Arial"/>
+              </a:rPr>
+              <a:t>Second Outline Level</a:t>
+            </a:r>
+            <a:endParaRPr/>
+          </a:p>
+          <a:p>
+            <a:pPr lvl="2">
+              <a:buSzPct val="45000"/>
+              <a:buFont typeface="StarSymbol"/>
+              <a:buChar char=""/>
+            </a:pPr>
+            <a:r>
+              <a:rPr lang="en-US">
+                <a:latin typeface="Arial"/>
+              </a:rPr>
+              <a:t>Third Outline Level</a:t>
+            </a:r>
+            <a:endParaRPr/>
+          </a:p>
+          <a:p>
+            <a:pPr lvl="3">
+              <a:buSzPct val="75000"/>
+              <a:buFont typeface="StarSymbol"/>
+              <a:buChar char=""/>
+            </a:pPr>
+            <a:r>
+              <a:rPr lang="en-US">
+                <a:latin typeface="Arial"/>
+              </a:rPr>
+              <a:t>Fourth Outline Level</a:t>
+            </a:r>
+            <a:endParaRPr/>
+          </a:p>
+          <a:p>
+            <a:pPr lvl="4">
+              <a:buSzPct val="45000"/>
+              <a:buFont typeface="StarSymbol"/>
+              <a:buChar char=""/>
+            </a:pPr>
+            <a:r>
+              <a:rPr lang="en-US">
+                <a:latin typeface="Arial"/>
+              </a:rPr>
+              <a:t>Fifth Outline Level</a:t>
+            </a:r>
+            <a:endParaRPr/>
+          </a:p>
+          <a:p>
+            <a:pPr lvl="5">
+              <a:buSzPct val="45000"/>
+              <a:buFont typeface="StarSymbol"/>
+              <a:buChar char=""/>
+            </a:pPr>
+            <a:r>
+              <a:rPr lang="en-US">
+                <a:latin typeface="Arial"/>
+              </a:rPr>
+              <a:t>Sixth Outline Level</a:t>
+            </a:r>
+            <a:endParaRPr/>
+          </a:p>
+          <a:p>
+            <a:pPr lvl="6">
+              <a:buSzPct val="45000"/>
+              <a:buFont typeface="StarSymbol"/>
+              <a:buChar char=""/>
+            </a:pPr>
+            <a:r>
+              <a:rPr lang="en-US">
+                <a:latin typeface="Arial"/>
+              </a:rPr>
+              <a:t>Seventh Outline Level</a:t>
+            </a:r>
+            <a:endParaRPr/>
+          </a:p>
+        </p:txBody>
+      </p:sp>
+    </p:spTree>
+  </p:cSld>
+  <p:clrMap bg1="lt1" bg2="lt2" tx1="dk1" tx2="dk2" accent1="accent1" accent2="accent2" accent3="accent3" accent4="accent4" accent5="accent5" accent6="accent6" hlink="hlink" folHlink="folHlink"/>
+  <p:sldLayoutIdLst>
+    <p:sldLayoutId id="2147483662" r:id="rId2"/>
+    <p:sldLayoutId id="2147483663" r:id="rId3"/>
+    <p:sldLayoutId id="2147483664" r:id="rId4"/>
+    <p:sldLayoutId id="2147483665" r:id="rId5"/>
+    <p:sldLayoutId id="2147483666" r:id="rId6"/>
+    <p:sldLayoutId id="2147483667" r:id="rId7"/>
+    <p:sldLayoutId id="2147483668" r:id="rId8"/>
+    <p:sldLayoutId id="2147483669" r:id="rId9"/>
+    <p:sldLayoutId id="2147483670" r:id="rId10"/>
+    <p:sldLayoutId id="2147483671" r:id="rId11"/>
+    <p:sldLayoutId id="2147483672" r:id="rId12"/>
+    <p:sldLayoutId id="2147483673" r:id="rId13"/>
+  </p:sldLayoutIdLst>
+</p:sldMaster>
+</file>
+
+<file path=ppt/slideMasters/slideMaster3.xml><?xml version="1.0" encoding="utf-8"?>
+<p:sldMaster xmlns:a="http://schemas.openxmlformats.org/drawingml/2006/main" xmlns:p="http://schemas.openxmlformats.org/presentationml/2006/main" xmlns:r="http://schemas.openxmlformats.org/officeDocument/2006/relationships">
+  <p:cSld>
+    <p:spTree>
+      <p:nvGrpSpPr>
+        <p:cNvPr id="1" name=""/>
+        <p:cNvGrpSpPr/>
+        <p:nvPr/>
+      </p:nvGrpSpPr>
+      <p:grpSpPr>
+        <a:xfrm>
+          <a:off x="0" y="0"/>
+          <a:ext cx="0" cy="0"/>
+          <a:chOff x="0" y="0"/>
+          <a:chExt cx="0" cy="0"/>
+        </a:xfrm>
+      </p:grpSpPr>
+      <p:sp>
+        <p:nvSpPr>
+          <p:cNvPr id="72" name="PlaceHolder 1"/>
+          <p:cNvSpPr>
+            <a:spLocks noGrp="1"/>
+          </p:cNvSpPr>
+          <p:nvPr>
+            <p:ph type="title"/>
+          </p:nvPr>
+        </p:nvSpPr>
+        <p:spPr>
+          <a:xfrm>
+            <a:off x="504000" y="301320"/>
+            <a:ext cx="9072000" cy="1261800"/>
+          </a:xfrm>
+          <a:prstGeom prst="rect">
+            <a:avLst/>
+          </a:prstGeom>
+        </p:spPr>
+        <p:txBody>
+          <a:bodyPr lIns="0" rIns="0" tIns="0" bIns="0" anchor="ctr"/>
+          <a:p>
+            <a:pPr algn="ctr"/>
+            <a:r>
+              <a:rPr lang="en-US" sz="4400">
+                <a:latin typeface="Arial"/>
+              </a:rPr>
+              <a:t>Click to edit the title text format</a:t>
+            </a:r>
+            <a:endParaRPr/>
+          </a:p>
+        </p:txBody>
+      </p:sp>
+      <p:sp>
+        <p:nvSpPr>
+          <p:cNvPr id="73" name="PlaceHolder 2"/>
+          <p:cNvSpPr>
+            <a:spLocks noGrp="1"/>
+          </p:cNvSpPr>
+          <p:nvPr>
+            <p:ph type="body"/>
+          </p:nvPr>
+        </p:nvSpPr>
+        <p:spPr>
+          <a:xfrm>
+            <a:off x="504000" y="1768680"/>
+            <a:ext cx="9072000" cy="4384080"/>
+          </a:xfrm>
+          <a:prstGeom prst="rect">
+            <a:avLst/>
+          </a:prstGeom>
+        </p:spPr>
+        <p:txBody>
+          <a:bodyPr lIns="0" rIns="0" tIns="0" bIns="0"/>
+          <a:p>
+            <a:pPr>
+              <a:buSzPct val="45000"/>
+              <a:buFont typeface="StarSymbol"/>
+              <a:buChar char=""/>
+            </a:pPr>
+            <a:r>
+              <a:rPr lang="en-US" sz="3200">
+                <a:latin typeface="Arial"/>
+              </a:rPr>
+              <a:t>Click to edit the outline text format</a:t>
+            </a:r>
+            <a:endParaRPr/>
+          </a:p>
+          <a:p>
+            <a:pPr lvl="1">
+              <a:buSzPct val="75000"/>
+              <a:buFont typeface="StarSymbol"/>
+              <a:buChar char=""/>
+            </a:pPr>
+            <a:r>
+              <a:rPr lang="en-US" sz="2800">
+                <a:latin typeface="Arial"/>
+              </a:rPr>
+              <a:t>Second Outline Level</a:t>
+            </a:r>
+            <a:endParaRPr/>
+          </a:p>
+          <a:p>
+            <a:pPr lvl="2">
+              <a:buSzPct val="45000"/>
+              <a:buFont typeface="StarSymbol"/>
+              <a:buChar char=""/>
+            </a:pPr>
+            <a:r>
+              <a:rPr lang="en-US" sz="2400">
+                <a:latin typeface="Arial"/>
+              </a:rPr>
+              <a:t>Third Outline Level</a:t>
+            </a:r>
+            <a:endParaRPr/>
+          </a:p>
+          <a:p>
+            <a:pPr lvl="3">
+              <a:buSzPct val="75000"/>
+              <a:buFont typeface="StarSymbol"/>
+              <a:buChar char=""/>
+            </a:pPr>
+            <a:r>
+              <a:rPr lang="en-US" sz="2000">
+                <a:latin typeface="Arial"/>
+              </a:rPr>
+              <a:t>Fourth Outline Level</a:t>
+            </a:r>
+            <a:endParaRPr/>
+          </a:p>
+          <a:p>
+            <a:pPr lvl="4">
+              <a:buSzPct val="45000"/>
+              <a:buFont typeface="StarSymbol"/>
+              <a:buChar char=""/>
+            </a:pPr>
+            <a:r>
+              <a:rPr lang="en-US" sz="2000">
+                <a:latin typeface="Arial"/>
+              </a:rPr>
+              <a:t>Fifth Outline Level</a:t>
+            </a:r>
+            <a:endParaRPr/>
+          </a:p>
+          <a:p>
+            <a:pPr lvl="5">
+              <a:buSzPct val="45000"/>
+              <a:buFont typeface="StarSymbol"/>
+              <a:buChar char=""/>
+            </a:pPr>
+            <a:r>
+              <a:rPr lang="en-US" sz="2000">
+                <a:latin typeface="Arial"/>
+              </a:rPr>
+              <a:t>Sixth Outline Level</a:t>
+            </a:r>
+            <a:endParaRPr/>
+          </a:p>
+          <a:p>
+            <a:pPr lvl="6">
+              <a:buSzPct val="45000"/>
+              <a:buFont typeface="StarSymbol"/>
+              <a:buChar char=""/>
+            </a:pPr>
+            <a:r>
+              <a:rPr lang="en-US" sz="2000">
+                <a:latin typeface="Arial"/>
+              </a:rPr>
+              <a:t>Seventh Outline Level</a:t>
+            </a:r>
+            <a:endParaRPr/>
+          </a:p>
+        </p:txBody>
+      </p:sp>
+    </p:spTree>
+  </p:cSld>
+  <p:clrMap bg1="lt1" bg2="lt2" tx1="dk1" tx2="dk2" accent1="accent1" accent2="accent2" accent3="accent3" accent4="accent4" accent5="accent5" accent6="accent6" hlink="hlink" folHlink="folHlink"/>
+  <p:sldLayoutIdLst>
+    <p:sldLayoutId id="2147483675" r:id="rId2"/>
+    <p:sldLayoutId id="2147483676" r:id="rId3"/>
+    <p:sldLayoutId id="2147483677" r:id="rId4"/>
+    <p:sldLayoutId id="2147483678" r:id="rId5"/>
+    <p:sldLayoutId id="2147483679" r:id="rId6"/>
+    <p:sldLayoutId id="2147483680" r:id="rId7"/>
+    <p:sldLayoutId id="2147483681" r:id="rId8"/>
+    <p:sldLayoutId id="2147483682" r:id="rId9"/>
+    <p:sldLayoutId id="2147483683" r:id="rId10"/>
+    <p:sldLayoutId id="2147483684" r:id="rId11"/>
+    <p:sldLayoutId id="2147483685" r:id="rId12"/>
+    <p:sldLayoutId id="2147483686" r:id="rId13"/>
   </p:sldLayoutIdLst>
 </p:sldMaster>
 </file>
@@ -1488,23 +4088,31 @@
       </p:grpSpPr>
       <p:sp>
         <p:nvSpPr>
-          <p:cNvPr id="39" name="TextShape 1"/>
-          <p:cNvSpPr txBox="1"/>
+          <p:cNvPr id="108" name="CustomShape 1"/>
+          <p:cNvSpPr/>
           <p:nvPr/>
         </p:nvSpPr>
         <p:spPr>
           <a:xfrm>
             <a:off x="712440" y="2761200"/>
-            <a:ext cx="9071640" cy="1262160"/>
-          </a:xfrm>
-          <a:prstGeom prst="rect">
-            <a:avLst/>
-          </a:prstGeom>
+            <a:ext cx="9071280" cy="1261800"/>
+          </a:xfrm>
+          <a:prstGeom prst="rect">
+            <a:avLst/>
+          </a:prstGeom>
+          <a:noFill/>
+          <a:ln>
+            <a:noFill/>
+          </a:ln>
         </p:spPr>
         <p:txBody>
           <a:bodyPr lIns="0" rIns="0" tIns="0" bIns="0" anchor="ctr"/>
           <a:p>
-            <a:pPr algn="ctr"/>
+            <a:pPr algn="ctr">
+              <a:lnSpc>
+                <a:spcPct val="100000"/>
+              </a:lnSpc>
+            </a:pPr>
             <a:r>
               <a:rPr lang="en-US" sz="6000">
                 <a:latin typeface="Arial"/>
@@ -1523,27 +4131,39 @@
       </p:sp>
       <p:sp>
         <p:nvSpPr>
-          <p:cNvPr id="40" name="TextShape 2"/>
-          <p:cNvSpPr txBox="1"/>
+          <p:cNvPr id="109" name="CustomShape 2"/>
+          <p:cNvSpPr/>
           <p:nvPr/>
         </p:nvSpPr>
         <p:spPr>
           <a:xfrm>
             <a:off x="504000" y="1769040"/>
-            <a:ext cx="9071640" cy="4384440"/>
-          </a:xfrm>
-          <a:prstGeom prst="rect">
-            <a:avLst/>
-          </a:prstGeom>
+            <a:ext cx="9071280" cy="4384080"/>
+          </a:xfrm>
+          <a:prstGeom prst="rect">
+            <a:avLst/>
+          </a:prstGeom>
+          <a:noFill/>
+          <a:ln>
+            <a:noFill/>
+          </a:ln>
         </p:spPr>
         <p:txBody>
           <a:bodyPr lIns="0" rIns="0" tIns="0" bIns="0" anchor="ctr"/>
           <a:p>
-            <a:pPr algn="ctr"/>
-            <a:endParaRPr/>
-          </a:p>
-          <a:p>
-            <a:pPr algn="ctr"/>
+            <a:pPr algn="ctr">
+              <a:lnSpc>
+                <a:spcPct val="100000"/>
+              </a:lnSpc>
+            </a:pPr>
+            <a:endParaRPr/>
+          </a:p>
+          <a:p>
+            <a:pPr algn="ctr">
+              <a:lnSpc>
+                <a:spcPct val="100000"/>
+              </a:lnSpc>
+            </a:pPr>
             <a:endParaRPr/>
           </a:p>
         </p:txBody>
@@ -1599,23 +4219,31 @@
       </p:grpSpPr>
       <p:sp>
         <p:nvSpPr>
-          <p:cNvPr id="49" name="TextShape 1"/>
-          <p:cNvSpPr txBox="1"/>
+          <p:cNvPr id="118" name="CustomShape 1"/>
+          <p:cNvSpPr/>
           <p:nvPr/>
         </p:nvSpPr>
         <p:spPr>
           <a:xfrm>
             <a:off x="504000" y="301320"/>
-            <a:ext cx="9071640" cy="5851800"/>
-          </a:xfrm>
-          <a:prstGeom prst="rect">
-            <a:avLst/>
-          </a:prstGeom>
+            <a:ext cx="9071280" cy="5851440"/>
+          </a:xfrm>
+          <a:prstGeom prst="rect">
+            <a:avLst/>
+          </a:prstGeom>
+          <a:noFill/>
+          <a:ln>
+            <a:noFill/>
+          </a:ln>
         </p:spPr>
         <p:txBody>
           <a:bodyPr lIns="0" rIns="0" tIns="0" bIns="0" anchor="ctr"/>
           <a:p>
-            <a:pPr algn="ctr"/>
+            <a:pPr algn="ctr">
+              <a:lnSpc>
+                <a:spcPct val="100000"/>
+              </a:lnSpc>
+            </a:pPr>
             <a:r>
               <a:rPr lang="en-US" sz="3200">
                 <a:latin typeface="Arial"/>
@@ -1625,11 +4253,19 @@
             <a:endParaRPr/>
           </a:p>
           <a:p>
-            <a:pPr algn="ctr"/>
-            <a:endParaRPr/>
-          </a:p>
-          <a:p>
-            <a:pPr algn="ctr"/>
+            <a:pPr algn="ctr">
+              <a:lnSpc>
+                <a:spcPct val="100000"/>
+              </a:lnSpc>
+            </a:pPr>
+            <a:endParaRPr/>
+          </a:p>
+          <a:p>
+            <a:pPr algn="ctr">
+              <a:lnSpc>
+                <a:spcPct val="100000"/>
+              </a:lnSpc>
+            </a:pPr>
             <a:r>
               <a:rPr lang="en-US" sz="3200">
                 <a:latin typeface="Arial"/>
@@ -1691,23 +4327,31 @@
       </p:grpSpPr>
       <p:sp>
         <p:nvSpPr>
-          <p:cNvPr id="50" name="TextShape 1"/>
-          <p:cNvSpPr txBox="1"/>
+          <p:cNvPr id="119" name="CustomShape 1"/>
+          <p:cNvSpPr/>
           <p:nvPr/>
         </p:nvSpPr>
         <p:spPr>
           <a:xfrm>
             <a:off x="504000" y="301320"/>
-            <a:ext cx="9071640" cy="5851800"/>
-          </a:xfrm>
-          <a:prstGeom prst="rect">
-            <a:avLst/>
-          </a:prstGeom>
+            <a:ext cx="9071280" cy="5851440"/>
+          </a:xfrm>
+          <a:prstGeom prst="rect">
+            <a:avLst/>
+          </a:prstGeom>
+          <a:noFill/>
+          <a:ln>
+            <a:noFill/>
+          </a:ln>
         </p:spPr>
         <p:txBody>
           <a:bodyPr lIns="0" rIns="0" tIns="0" bIns="0" anchor="ctr"/>
           <a:p>
-            <a:pPr algn="ctr"/>
+            <a:pPr algn="ctr">
+              <a:lnSpc>
+                <a:spcPct val="100000"/>
+              </a:lnSpc>
+            </a:pPr>
             <a:r>
               <a:rPr lang="en-US" sz="3200">
                 <a:latin typeface="Arial"/>
@@ -1723,11 +4367,19 @@
             <a:endParaRPr/>
           </a:p>
           <a:p>
-            <a:pPr algn="ctr"/>
-            <a:endParaRPr/>
-          </a:p>
-          <a:p>
-            <a:pPr algn="ctr"/>
+            <a:pPr algn="ctr">
+              <a:lnSpc>
+                <a:spcPct val="100000"/>
+              </a:lnSpc>
+            </a:pPr>
+            <a:endParaRPr/>
+          </a:p>
+          <a:p>
+            <a:pPr algn="ctr">
+              <a:lnSpc>
+                <a:spcPct val="100000"/>
+              </a:lnSpc>
+            </a:pPr>
             <a:r>
               <a:rPr lang="en-US" sz="3200">
                 <a:latin typeface="Arial"/>
@@ -1755,7 +4407,11 @@
             <a:endParaRPr/>
           </a:p>
           <a:p>
-            <a:pPr algn="ctr"/>
+            <a:pPr algn="ctr">
+              <a:lnSpc>
+                <a:spcPct val="100000"/>
+              </a:lnSpc>
+            </a:pPr>
             <a:r>
               <a:rPr lang="en-US" sz="3200">
                 <a:latin typeface="Arial"/>
@@ -1771,7 +4427,11 @@
             <a:endParaRPr/>
           </a:p>
           <a:p>
-            <a:pPr algn="ctr"/>
+            <a:pPr algn="ctr">
+              <a:lnSpc>
+                <a:spcPct val="100000"/>
+              </a:lnSpc>
+            </a:pPr>
             <a:r>
               <a:rPr lang="en-US" sz="3200">
                 <a:latin typeface="Arial"/>
@@ -1787,7 +4447,11 @@
             <a:endParaRPr/>
           </a:p>
           <a:p>
-            <a:pPr algn="ctr"/>
+            <a:pPr algn="ctr">
+              <a:lnSpc>
+                <a:spcPct val="100000"/>
+              </a:lnSpc>
+            </a:pPr>
             <a:r>
               <a:rPr lang="en-US" sz="3200">
                 <a:latin typeface="Arial"/>
@@ -1803,7 +4467,11 @@
             <a:endParaRPr/>
           </a:p>
           <a:p>
-            <a:pPr algn="ctr"/>
+            <a:pPr algn="ctr">
+              <a:lnSpc>
+                <a:spcPct val="100000"/>
+              </a:lnSpc>
+            </a:pPr>
             <a:r>
               <a:rPr lang="en-US" sz="3200">
                 <a:latin typeface="Arial"/>
@@ -1825,7 +4493,11 @@
             <a:endParaRPr/>
           </a:p>
           <a:p>
-            <a:pPr algn="ctr"/>
+            <a:pPr algn="ctr">
+              <a:lnSpc>
+                <a:spcPct val="100000"/>
+              </a:lnSpc>
+            </a:pPr>
             <a:r>
               <a:rPr lang="en-US" sz="3200">
                 <a:latin typeface="Arial"/>
@@ -1841,7 +4513,11 @@
             <a:endParaRPr/>
           </a:p>
           <a:p>
-            <a:pPr algn="ctr"/>
+            <a:pPr algn="ctr">
+              <a:lnSpc>
+                <a:spcPct val="100000"/>
+              </a:lnSpc>
+            </a:pPr>
             <a:r>
               <a:rPr lang="en-US" sz="3200">
                 <a:latin typeface="Arial"/>
@@ -1857,7 +4533,11 @@
             <a:endParaRPr/>
           </a:p>
           <a:p>
-            <a:pPr algn="ctr"/>
+            <a:pPr algn="ctr">
+              <a:lnSpc>
+                <a:spcPct val="100000"/>
+              </a:lnSpc>
+            </a:pPr>
             <a:r>
               <a:rPr lang="en-US" sz="3200">
                 <a:latin typeface="Arial"/>
@@ -1925,18 +4605,22 @@
       </p:grpSpPr>
       <p:sp>
         <p:nvSpPr>
-          <p:cNvPr id="41" name="TextShape 1"/>
-          <p:cNvSpPr txBox="1"/>
+          <p:cNvPr id="110" name="CustomShape 1"/>
+          <p:cNvSpPr/>
           <p:nvPr/>
         </p:nvSpPr>
         <p:spPr>
           <a:xfrm>
             <a:off x="504000" y="1769040"/>
-            <a:ext cx="9071640" cy="4384440"/>
-          </a:xfrm>
-          <a:prstGeom prst="rect">
-            <a:avLst/>
-          </a:prstGeom>
+            <a:ext cx="9071280" cy="4384080"/>
+          </a:xfrm>
+          <a:prstGeom prst="rect">
+            <a:avLst/>
+          </a:prstGeom>
+          <a:noFill/>
+          <a:ln>
+            <a:noFill/>
+          </a:ln>
         </p:spPr>
         <p:txBody>
           <a:bodyPr lIns="0" rIns="0" tIns="0" bIns="0"/>
@@ -1957,9 +4641,12 @@
           </a:p>
           <a:p>
             <a:pPr>
+              <a:lnSpc>
+                <a:spcPct val="100000"/>
+              </a:lnSpc>
               <a:buSzPct val="45000"/>
               <a:buFont typeface="StarSymbol"/>
-              <a:buChar char=""/>
+              <a:buChar char="l"/>
             </a:pPr>
             <a:r>
               <a:rPr lang="en-US" sz="3200">
@@ -1971,53 +4658,59 @@
           </a:p>
           <a:p>
             <a:pPr>
+              <a:lnSpc>
+                <a:spcPct val="100000"/>
+              </a:lnSpc>
+            </a:pPr>
+            <a:endParaRPr/>
+          </a:p>
+          <a:p>
+            <a:pPr>
+              <a:lnSpc>
+                <a:spcPct val="100000"/>
+              </a:lnSpc>
               <a:buSzPct val="45000"/>
               <a:buFont typeface="StarSymbol"/>
-              <a:buChar char=""/>
-            </a:pPr>
+              <a:buChar char="l"/>
+            </a:pPr>
+            <a:r>
+              <a:rPr lang="en-US" sz="3200">
+                <a:latin typeface="Arial"/>
+              </a:rPr>
+              <a:t>進入專案</a:t>
+            </a:r>
             <a:endParaRPr/>
           </a:p>
           <a:p>
             <a:pPr>
+              <a:lnSpc>
+                <a:spcPct val="100000"/>
+              </a:lnSpc>
               <a:buSzPct val="45000"/>
               <a:buFont typeface="StarSymbol"/>
-              <a:buChar char=""/>
-            </a:pPr>
-            <a:r>
-              <a:rPr lang="en-US" sz="3200">
-                <a:latin typeface="Arial"/>
-              </a:rPr>
-              <a:t>進入專案</a:t>
+              <a:buChar char="l"/>
+            </a:pPr>
+            <a:r>
+              <a:rPr lang="en-US" sz="3200">
+                <a:latin typeface="Arial"/>
+              </a:rPr>
+              <a:t>$cd sqliteDemo</a:t>
             </a:r>
             <a:endParaRPr/>
           </a:p>
           <a:p>
             <a:pPr>
-              <a:buSzPct val="45000"/>
-              <a:buFont typeface="StarSymbol"/>
-              <a:buChar char=""/>
-            </a:pPr>
-            <a:r>
-              <a:rPr lang="en-US" sz="3200">
-                <a:latin typeface="Arial"/>
-              </a:rPr>
-              <a:t>$cd sqliteDemo</a:t>
-            </a:r>
+              <a:lnSpc>
+                <a:spcPct val="100000"/>
+              </a:lnSpc>
+            </a:pPr>
             <a:endParaRPr/>
           </a:p>
           <a:p>
             <a:pPr>
-              <a:buSzPct val="45000"/>
-              <a:buFont typeface="StarSymbol"/>
-              <a:buChar char=""/>
-            </a:pPr>
-            <a:endParaRPr/>
-          </a:p>
-          <a:p>
-            <a:pPr>
-              <a:buSzPct val="45000"/>
-              <a:buFont typeface="StarSymbol"/>
-              <a:buChar char=""/>
+              <a:lnSpc>
+                <a:spcPct val="100000"/>
+              </a:lnSpc>
             </a:pPr>
             <a:endParaRPr/>
           </a:p>
@@ -2074,18 +4767,22 @@
       </p:grpSpPr>
       <p:sp>
         <p:nvSpPr>
-          <p:cNvPr id="42" name="TextShape 1"/>
-          <p:cNvSpPr txBox="1"/>
+          <p:cNvPr id="111" name="CustomShape 1"/>
+          <p:cNvSpPr/>
           <p:nvPr/>
         </p:nvSpPr>
         <p:spPr>
           <a:xfrm>
             <a:off x="504000" y="1376280"/>
-            <a:ext cx="9071640" cy="4384440"/>
-          </a:xfrm>
-          <a:prstGeom prst="rect">
-            <a:avLst/>
-          </a:prstGeom>
+            <a:ext cx="9071280" cy="4384080"/>
+          </a:xfrm>
+          <a:prstGeom prst="rect">
+            <a:avLst/>
+          </a:prstGeom>
+          <a:noFill/>
+          <a:ln>
+            <a:noFill/>
+          </a:ln>
         </p:spPr>
         <p:txBody>
           <a:bodyPr lIns="0" rIns="0" tIns="0" bIns="0"/>
@@ -2106,9 +4803,12 @@
           </a:p>
           <a:p>
             <a:pPr>
+              <a:lnSpc>
+                <a:spcPct val="100000"/>
+              </a:lnSpc>
               <a:buSzPct val="45000"/>
               <a:buFont typeface="StarSymbol"/>
-              <a:buChar char=""/>
+              <a:buChar char="l"/>
             </a:pPr>
             <a:r>
               <a:rPr lang="en-US" sz="3200">
@@ -2120,51 +4820,60 @@
           </a:p>
           <a:p>
             <a:pPr>
+              <a:lnSpc>
+                <a:spcPct val="100000"/>
+              </a:lnSpc>
+            </a:pPr>
+            <a:endParaRPr/>
+          </a:p>
+          <a:p>
+            <a:pPr>
+              <a:lnSpc>
+                <a:spcPct val="100000"/>
+              </a:lnSpc>
               <a:buSzPct val="45000"/>
               <a:buFont typeface="StarSymbol"/>
-              <a:buChar char=""/>
-            </a:pPr>
+              <a:buChar char="l"/>
+            </a:pPr>
+            <a:r>
+              <a:rPr lang="en-US" sz="3200">
+                <a:latin typeface="Arial"/>
+              </a:rPr>
+              <a:t>安裝</a:t>
+            </a:r>
+            <a:r>
+              <a:rPr lang="en-US" sz="3200">
+                <a:latin typeface="Arial"/>
+              </a:rPr>
+              <a:t>sqlite</a:t>
+            </a:r>
             <a:endParaRPr/>
           </a:p>
           <a:p>
             <a:pPr>
+              <a:lnSpc>
+                <a:spcPct val="100000"/>
+              </a:lnSpc>
               <a:buSzPct val="45000"/>
               <a:buFont typeface="StarSymbol"/>
-              <a:buChar char=""/>
-            </a:pPr>
-            <a:r>
-              <a:rPr lang="en-US" sz="3200">
-                <a:latin typeface="Arial"/>
-              </a:rPr>
-              <a:t>安裝</a:t>
-            </a:r>
-            <a:r>
-              <a:rPr lang="en-US" sz="3200">
-                <a:latin typeface="Arial"/>
-              </a:rPr>
-              <a:t>sqlite</a:t>
+              <a:buChar char="l"/>
+            </a:pPr>
+            <a:r>
+              <a:rPr lang="en-US" sz="3200">
+                <a:latin typeface="Arial"/>
+              </a:rPr>
+              <a:t>$npm install sqlite3 –save</a:t>
             </a:r>
             <a:endParaRPr/>
           </a:p>
           <a:p>
             <a:pPr>
+              <a:lnSpc>
+                <a:spcPct val="100000"/>
+              </a:lnSpc>
               <a:buSzPct val="45000"/>
               <a:buFont typeface="StarSymbol"/>
-              <a:buChar char=""/>
-            </a:pPr>
-            <a:r>
-              <a:rPr lang="en-US" sz="3200">
-                <a:latin typeface="Arial"/>
-              </a:rPr>
-              <a:t>$npm install sqlite3 –save</a:t>
-            </a:r>
-            <a:endParaRPr/>
-          </a:p>
-          <a:p>
-            <a:pPr>
-              <a:buSzPct val="45000"/>
-              <a:buFont typeface="StarSymbol"/>
-              <a:buChar char=""/>
+              <a:buChar char="l"/>
             </a:pPr>
             <a:r>
               <a:rPr lang="en-US" sz="3200">
@@ -2263,23 +4972,31 @@
       </p:grpSpPr>
       <p:sp>
         <p:nvSpPr>
-          <p:cNvPr id="43" name="TextShape 1"/>
-          <p:cNvSpPr txBox="1"/>
+          <p:cNvPr id="112" name="CustomShape 1"/>
+          <p:cNvSpPr/>
           <p:nvPr/>
         </p:nvSpPr>
         <p:spPr>
           <a:xfrm>
             <a:off x="504000" y="301320"/>
-            <a:ext cx="9071640" cy="5851800"/>
-          </a:xfrm>
-          <a:prstGeom prst="rect">
-            <a:avLst/>
-          </a:prstGeom>
+            <a:ext cx="9071280" cy="5851440"/>
+          </a:xfrm>
+          <a:prstGeom prst="rect">
+            <a:avLst/>
+          </a:prstGeom>
+          <a:noFill/>
+          <a:ln>
+            <a:noFill/>
+          </a:ln>
         </p:spPr>
         <p:txBody>
           <a:bodyPr lIns="0" rIns="0" tIns="0" bIns="0" anchor="ctr"/>
           <a:p>
-            <a:pPr algn="ctr"/>
+            <a:pPr algn="ctr">
+              <a:lnSpc>
+                <a:spcPct val="100000"/>
+              </a:lnSpc>
+            </a:pPr>
             <a:r>
               <a:rPr lang="en-US" sz="3200">
                 <a:latin typeface="Arial"/>
@@ -2289,11 +5006,19 @@
             <a:endParaRPr/>
           </a:p>
           <a:p>
-            <a:pPr algn="ctr"/>
-            <a:endParaRPr/>
-          </a:p>
-          <a:p>
-            <a:pPr algn="ctr"/>
+            <a:pPr algn="ctr">
+              <a:lnSpc>
+                <a:spcPct val="100000"/>
+              </a:lnSpc>
+            </a:pPr>
+            <a:endParaRPr/>
+          </a:p>
+          <a:p>
+            <a:pPr algn="ctr">
+              <a:lnSpc>
+                <a:spcPct val="100000"/>
+              </a:lnSpc>
+            </a:pPr>
             <a:r>
               <a:rPr lang="en-US" sz="3200">
                 <a:latin typeface="Arial"/>
@@ -2309,7 +5034,11 @@
             <a:endParaRPr/>
           </a:p>
           <a:p>
-            <a:pPr algn="ctr"/>
+            <a:pPr algn="ctr">
+              <a:lnSpc>
+                <a:spcPct val="100000"/>
+              </a:lnSpc>
+            </a:pPr>
             <a:r>
               <a:rPr lang="en-US" sz="3200">
                 <a:latin typeface="Arial"/>
@@ -2371,23 +5100,31 @@
       </p:grpSpPr>
       <p:sp>
         <p:nvSpPr>
-          <p:cNvPr id="44" name="TextShape 1"/>
-          <p:cNvSpPr txBox="1"/>
+          <p:cNvPr id="113" name="CustomShape 1"/>
+          <p:cNvSpPr/>
           <p:nvPr/>
         </p:nvSpPr>
         <p:spPr>
           <a:xfrm>
             <a:off x="504000" y="301320"/>
-            <a:ext cx="9071640" cy="5851800"/>
-          </a:xfrm>
-          <a:prstGeom prst="rect">
-            <a:avLst/>
-          </a:prstGeom>
+            <a:ext cx="9071280" cy="5851440"/>
+          </a:xfrm>
+          <a:prstGeom prst="rect">
+            <a:avLst/>
+          </a:prstGeom>
+          <a:noFill/>
+          <a:ln>
+            <a:noFill/>
+          </a:ln>
         </p:spPr>
         <p:txBody>
           <a:bodyPr lIns="0" rIns="0" tIns="0" bIns="0" anchor="ctr"/>
           <a:p>
-            <a:pPr algn="ctr"/>
+            <a:pPr algn="ctr">
+              <a:lnSpc>
+                <a:spcPct val="100000"/>
+              </a:lnSpc>
+            </a:pPr>
             <a:r>
               <a:rPr lang="en-US" sz="3600">
                 <a:latin typeface="Arial"/>
@@ -2403,11 +5140,19 @@
             <a:endParaRPr/>
           </a:p>
           <a:p>
-            <a:pPr algn="ctr"/>
-            <a:endParaRPr/>
-          </a:p>
-          <a:p>
-            <a:pPr algn="ctr"/>
+            <a:pPr algn="ctr">
+              <a:lnSpc>
+                <a:spcPct val="100000"/>
+              </a:lnSpc>
+            </a:pPr>
+            <a:endParaRPr/>
+          </a:p>
+          <a:p>
+            <a:pPr algn="ctr">
+              <a:lnSpc>
+                <a:spcPct val="100000"/>
+              </a:lnSpc>
+            </a:pPr>
             <a:r>
               <a:rPr lang="en-US" sz="3200">
                 <a:latin typeface="Arial"/>
@@ -2423,11 +5168,19 @@
             <a:endParaRPr/>
           </a:p>
           <a:p>
-            <a:pPr algn="ctr"/>
-            <a:endParaRPr/>
-          </a:p>
-          <a:p>
-            <a:pPr algn="ctr"/>
+            <a:pPr algn="ctr">
+              <a:lnSpc>
+                <a:spcPct val="100000"/>
+              </a:lnSpc>
+            </a:pPr>
+            <a:endParaRPr/>
+          </a:p>
+          <a:p>
+            <a:pPr algn="ctr">
+              <a:lnSpc>
+                <a:spcPct val="100000"/>
+              </a:lnSpc>
+            </a:pPr>
             <a:r>
               <a:rPr lang="en-US" sz="3200">
                 <a:latin typeface="Arial"/>
@@ -2449,11 +5202,19 @@
             <a:endParaRPr/>
           </a:p>
           <a:p>
-            <a:pPr algn="ctr"/>
-            <a:endParaRPr/>
-          </a:p>
-          <a:p>
-            <a:pPr algn="ctr"/>
+            <a:pPr algn="ctr">
+              <a:lnSpc>
+                <a:spcPct val="100000"/>
+              </a:lnSpc>
+            </a:pPr>
+            <a:endParaRPr/>
+          </a:p>
+          <a:p>
+            <a:pPr algn="ctr">
+              <a:lnSpc>
+                <a:spcPct val="100000"/>
+              </a:lnSpc>
+            </a:pPr>
             <a:r>
               <a:rPr lang="en-US" sz="3200">
                 <a:latin typeface="Arial"/>
@@ -2482,12 +5243,16 @@
               <a:rPr lang="en-US" sz="3200">
                 <a:latin typeface="Arial"/>
               </a:rPr>
-              <a:t>test.db</a:t>
-            </a:r>
-            <a:endParaRPr/>
-          </a:p>
-          <a:p>
-            <a:pPr algn="ctr"/>
+              <a:t>sqliteDemo.db</a:t>
+            </a:r>
+            <a:endParaRPr/>
+          </a:p>
+          <a:p>
+            <a:pPr algn="ctr">
+              <a:lnSpc>
+                <a:spcPct val="100000"/>
+              </a:lnSpc>
+            </a:pPr>
             <a:endParaRPr/>
           </a:p>
         </p:txBody>
@@ -2543,23 +5308,31 @@
       </p:grpSpPr>
       <p:sp>
         <p:nvSpPr>
-          <p:cNvPr id="45" name="TextShape 1"/>
-          <p:cNvSpPr txBox="1"/>
+          <p:cNvPr id="114" name="CustomShape 1"/>
+          <p:cNvSpPr/>
           <p:nvPr/>
         </p:nvSpPr>
         <p:spPr>
           <a:xfrm>
             <a:off x="504000" y="301320"/>
-            <a:ext cx="9071640" cy="5851800"/>
-          </a:xfrm>
-          <a:prstGeom prst="rect">
-            <a:avLst/>
-          </a:prstGeom>
+            <a:ext cx="9071280" cy="5851440"/>
+          </a:xfrm>
+          <a:prstGeom prst="rect">
+            <a:avLst/>
+          </a:prstGeom>
+          <a:noFill/>
+          <a:ln>
+            <a:noFill/>
+          </a:ln>
         </p:spPr>
         <p:txBody>
           <a:bodyPr lIns="0" rIns="0" tIns="0" bIns="0" anchor="ctr"/>
           <a:p>
-            <a:pPr algn="ctr"/>
+            <a:pPr algn="ctr">
+              <a:lnSpc>
+                <a:spcPct val="100000"/>
+              </a:lnSpc>
+            </a:pPr>
             <a:r>
               <a:rPr lang="en-US" sz="3200">
                 <a:latin typeface="Arial"/>
@@ -2581,11 +5354,19 @@
             <a:endParaRPr/>
           </a:p>
           <a:p>
-            <a:pPr algn="ctr"/>
-            <a:endParaRPr/>
-          </a:p>
-          <a:p>
-            <a:pPr algn="ctr"/>
+            <a:pPr algn="ctr">
+              <a:lnSpc>
+                <a:spcPct val="100000"/>
+              </a:lnSpc>
+            </a:pPr>
+            <a:endParaRPr/>
+          </a:p>
+          <a:p>
+            <a:pPr algn="ctr">
+              <a:lnSpc>
+                <a:spcPct val="100000"/>
+              </a:lnSpc>
+            </a:pPr>
             <a:r>
               <a:rPr lang="en-US" sz="3200">
                 <a:latin typeface="Arial"/>
@@ -2595,7 +5376,11 @@
             <a:endParaRPr/>
           </a:p>
           <a:p>
-            <a:pPr algn="ctr"/>
+            <a:pPr algn="ctr">
+              <a:lnSpc>
+                <a:spcPct val="100000"/>
+              </a:lnSpc>
+            </a:pPr>
             <a:r>
               <a:rPr lang="en-US" sz="3200">
                 <a:latin typeface="Arial"/>
@@ -2611,7 +5396,11 @@
             <a:endParaRPr/>
           </a:p>
           <a:p>
-            <a:pPr algn="ctr"/>
+            <a:pPr algn="ctr">
+              <a:lnSpc>
+                <a:spcPct val="100000"/>
+              </a:lnSpc>
+            </a:pPr>
             <a:r>
               <a:rPr lang="en-US" sz="3200">
                 <a:latin typeface="Arial"/>
@@ -2627,11 +5416,19 @@
             <a:endParaRPr/>
           </a:p>
           <a:p>
-            <a:pPr algn="ctr"/>
-            <a:endParaRPr/>
-          </a:p>
-          <a:p>
-            <a:pPr algn="ctr"/>
+            <a:pPr algn="ctr">
+              <a:lnSpc>
+                <a:spcPct val="100000"/>
+              </a:lnSpc>
+            </a:pPr>
+            <a:endParaRPr/>
+          </a:p>
+          <a:p>
+            <a:pPr algn="ctr">
+              <a:lnSpc>
+                <a:spcPct val="100000"/>
+              </a:lnSpc>
+            </a:pPr>
             <a:r>
               <a:rPr lang="en-US" sz="3200">
                 <a:latin typeface="Arial"/>
@@ -2693,23 +5490,31 @@
       </p:grpSpPr>
       <p:sp>
         <p:nvSpPr>
-          <p:cNvPr id="46" name="TextShape 1"/>
-          <p:cNvSpPr txBox="1"/>
+          <p:cNvPr id="115" name="CustomShape 1"/>
+          <p:cNvSpPr/>
           <p:nvPr/>
         </p:nvSpPr>
         <p:spPr>
           <a:xfrm>
             <a:off x="540000" y="301320"/>
-            <a:ext cx="9071640" cy="5851800"/>
-          </a:xfrm>
-          <a:prstGeom prst="rect">
-            <a:avLst/>
-          </a:prstGeom>
+            <a:ext cx="9071280" cy="5851440"/>
+          </a:xfrm>
+          <a:prstGeom prst="rect">
+            <a:avLst/>
+          </a:prstGeom>
+          <a:noFill/>
+          <a:ln>
+            <a:noFill/>
+          </a:ln>
         </p:spPr>
         <p:txBody>
           <a:bodyPr lIns="0" rIns="0" tIns="0" bIns="0" anchor="ctr"/>
           <a:p>
-            <a:pPr algn="ctr"/>
+            <a:pPr algn="ctr">
+              <a:lnSpc>
+                <a:spcPct val="100000"/>
+              </a:lnSpc>
+            </a:pPr>
             <a:r>
               <a:rPr lang="en-US" sz="3200">
                 <a:latin typeface="Arial"/>
@@ -2719,11 +5524,19 @@
             <a:endParaRPr/>
           </a:p>
           <a:p>
-            <a:pPr algn="ctr"/>
-            <a:endParaRPr/>
-          </a:p>
-          <a:p>
-            <a:pPr algn="ctr"/>
+            <a:pPr algn="ctr">
+              <a:lnSpc>
+                <a:spcPct val="100000"/>
+              </a:lnSpc>
+            </a:pPr>
+            <a:endParaRPr/>
+          </a:p>
+          <a:p>
+            <a:pPr algn="ctr">
+              <a:lnSpc>
+                <a:spcPct val="100000"/>
+              </a:lnSpc>
+            </a:pPr>
             <a:r>
               <a:rPr lang="en-US" sz="3200">
                 <a:latin typeface="Arial"/>
@@ -2733,7 +5546,11 @@
             <a:endParaRPr/>
           </a:p>
           <a:p>
-            <a:pPr algn="ctr"/>
+            <a:pPr algn="ctr">
+              <a:lnSpc>
+                <a:spcPct val="100000"/>
+              </a:lnSpc>
+            </a:pPr>
             <a:r>
               <a:rPr lang="en-US" sz="3200">
                 <a:latin typeface="Arial"/>
@@ -2749,7 +5566,11 @@
             <a:endParaRPr/>
           </a:p>
           <a:p>
-            <a:pPr algn="ctr"/>
+            <a:pPr algn="ctr">
+              <a:lnSpc>
+                <a:spcPct val="100000"/>
+              </a:lnSpc>
+            </a:pPr>
             <a:r>
               <a:rPr lang="en-US" sz="3200">
                 <a:latin typeface="Arial"/>
@@ -2765,7 +5586,11 @@
             <a:endParaRPr/>
           </a:p>
           <a:p>
-            <a:pPr algn="ctr"/>
+            <a:pPr algn="ctr">
+              <a:lnSpc>
+                <a:spcPct val="100000"/>
+              </a:lnSpc>
+            </a:pPr>
             <a:r>
               <a:rPr lang="en-US" sz="3200">
                 <a:latin typeface="Arial"/>
@@ -2781,7 +5606,11 @@
             <a:endParaRPr/>
           </a:p>
           <a:p>
-            <a:pPr algn="ctr"/>
+            <a:pPr algn="ctr">
+              <a:lnSpc>
+                <a:spcPct val="100000"/>
+              </a:lnSpc>
+            </a:pPr>
             <a:r>
               <a:rPr lang="en-US" sz="3200">
                 <a:latin typeface="Arial"/>
@@ -2849,23 +5678,31 @@
       </p:grpSpPr>
       <p:sp>
         <p:nvSpPr>
-          <p:cNvPr id="47" name="TextShape 1"/>
-          <p:cNvSpPr txBox="1"/>
+          <p:cNvPr id="116" name="CustomShape 1"/>
+          <p:cNvSpPr/>
           <p:nvPr/>
         </p:nvSpPr>
         <p:spPr>
           <a:xfrm>
             <a:off x="504000" y="301320"/>
-            <a:ext cx="9071640" cy="5851800"/>
-          </a:xfrm>
-          <a:prstGeom prst="rect">
-            <a:avLst/>
-          </a:prstGeom>
+            <a:ext cx="9071280" cy="5851440"/>
+          </a:xfrm>
+          <a:prstGeom prst="rect">
+            <a:avLst/>
+          </a:prstGeom>
+          <a:noFill/>
+          <a:ln>
+            <a:noFill/>
+          </a:ln>
         </p:spPr>
         <p:txBody>
           <a:bodyPr lIns="0" rIns="0" tIns="0" bIns="0" anchor="ctr"/>
           <a:p>
-            <a:pPr algn="ctr"/>
+            <a:pPr algn="ctr">
+              <a:lnSpc>
+                <a:spcPct val="100000"/>
+              </a:lnSpc>
+            </a:pPr>
             <a:r>
               <a:rPr lang="en-US" sz="3200">
                 <a:latin typeface="Arial"/>
@@ -2875,11 +5712,19 @@
             <a:endParaRPr/>
           </a:p>
           <a:p>
-            <a:pPr algn="ctr"/>
-            <a:endParaRPr/>
-          </a:p>
-          <a:p>
-            <a:pPr algn="ctr"/>
+            <a:pPr algn="ctr">
+              <a:lnSpc>
+                <a:spcPct val="100000"/>
+              </a:lnSpc>
+            </a:pPr>
+            <a:endParaRPr/>
+          </a:p>
+          <a:p>
+            <a:pPr algn="ctr">
+              <a:lnSpc>
+                <a:spcPct val="100000"/>
+              </a:lnSpc>
+            </a:pPr>
             <a:r>
               <a:rPr lang="en-US" sz="3200">
                 <a:latin typeface="Arial"/>
@@ -2889,7 +5734,11 @@
             <a:endParaRPr/>
           </a:p>
           <a:p>
-            <a:pPr algn="ctr"/>
+            <a:pPr algn="ctr">
+              <a:lnSpc>
+                <a:spcPct val="100000"/>
+              </a:lnSpc>
+            </a:pPr>
             <a:r>
               <a:rPr lang="en-US" sz="3200">
                 <a:latin typeface="Arial"/>
@@ -2905,7 +5754,11 @@
             <a:endParaRPr/>
           </a:p>
           <a:p>
-            <a:pPr algn="ctr"/>
+            <a:pPr algn="ctr">
+              <a:lnSpc>
+                <a:spcPct val="100000"/>
+              </a:lnSpc>
+            </a:pPr>
             <a:r>
               <a:rPr lang="en-US" sz="3200">
                 <a:latin typeface="Arial"/>
@@ -2921,7 +5774,11 @@
             <a:endParaRPr/>
           </a:p>
           <a:p>
-            <a:pPr algn="ctr"/>
+            <a:pPr algn="ctr">
+              <a:lnSpc>
+                <a:spcPct val="100000"/>
+              </a:lnSpc>
+            </a:pPr>
             <a:r>
               <a:rPr lang="en-US" sz="3200">
                 <a:latin typeface="Arial"/>
@@ -2989,23 +5846,31 @@
       </p:grpSpPr>
       <p:sp>
         <p:nvSpPr>
-          <p:cNvPr id="48" name="TextShape 1"/>
-          <p:cNvSpPr txBox="1"/>
+          <p:cNvPr id="117" name="CustomShape 1"/>
+          <p:cNvSpPr/>
           <p:nvPr/>
         </p:nvSpPr>
         <p:spPr>
           <a:xfrm>
             <a:off x="504000" y="301320"/>
-            <a:ext cx="9071640" cy="5851800"/>
-          </a:xfrm>
-          <a:prstGeom prst="rect">
-            <a:avLst/>
-          </a:prstGeom>
+            <a:ext cx="9071280" cy="5851440"/>
+          </a:xfrm>
+          <a:prstGeom prst="rect">
+            <a:avLst/>
+          </a:prstGeom>
+          <a:noFill/>
+          <a:ln>
+            <a:noFill/>
+          </a:ln>
         </p:spPr>
         <p:txBody>
           <a:bodyPr lIns="0" rIns="0" tIns="0" bIns="0" anchor="ctr"/>
           <a:p>
-            <a:pPr algn="ctr"/>
+            <a:pPr algn="ctr">
+              <a:lnSpc>
+                <a:spcPct val="100000"/>
+              </a:lnSpc>
+            </a:pPr>
             <a:r>
               <a:rPr lang="en-US" sz="3200">
                 <a:latin typeface="Arial"/>
@@ -3015,11 +5880,19 @@
             <a:endParaRPr/>
           </a:p>
           <a:p>
-            <a:pPr algn="ctr"/>
-            <a:endParaRPr/>
-          </a:p>
-          <a:p>
-            <a:pPr algn="ctr"/>
+            <a:pPr algn="ctr">
+              <a:lnSpc>
+                <a:spcPct val="100000"/>
+              </a:lnSpc>
+            </a:pPr>
+            <a:endParaRPr/>
+          </a:p>
+          <a:p>
+            <a:pPr algn="ctr">
+              <a:lnSpc>
+                <a:spcPct val="100000"/>
+              </a:lnSpc>
+            </a:pPr>
             <a:r>
               <a:rPr lang="en-US" sz="3200">
                 <a:latin typeface="Arial"/>
@@ -3029,7 +5902,11 @@
             <a:endParaRPr/>
           </a:p>
           <a:p>
-            <a:pPr algn="ctr"/>
+            <a:pPr algn="ctr">
+              <a:lnSpc>
+                <a:spcPct val="100000"/>
+              </a:lnSpc>
+            </a:pPr>
             <a:r>
               <a:rPr lang="en-US" sz="3200">
                 <a:latin typeface="Arial"/>
@@ -3299,4 +6176,450 @@
     </a:fmtScheme>
   </a:themeElements>
 </a:theme>
+</file>
+
+<file path=ppt/theme/theme2.xml><?xml version="1.0" encoding="utf-8"?>
+<a:theme xmlns:a="http://schemas.openxmlformats.org/drawingml/2006/main" name="Office Theme">
+  <a:themeElements>
+    <a:clrScheme name="Office">
+      <a:dk1>
+        <a:sysClr val="windowText" lastClr="000000"/>
+      </a:dk1>
+      <a:lt1>
+        <a:sysClr val="window" lastClr="FFFFFF"/>
+      </a:lt1>
+      <a:dk2>
+        <a:srgbClr val="1F497D"/>
+      </a:dk2>
+      <a:lt2>
+        <a:srgbClr val="EEECE1"/>
+      </a:lt2>
+      <a:accent1>
+        <a:srgbClr val="4F81BD"/>
+      </a:accent1>
+      <a:accent2>
+        <a:srgbClr val="C0504D"/>
+      </a:accent2>
+      <a:accent3>
+        <a:srgbClr val="9BBB59"/>
+      </a:accent3>
+      <a:accent4>
+        <a:srgbClr val="8064A2"/>
+      </a:accent4>
+      <a:accent5>
+        <a:srgbClr val="4BACC6"/>
+      </a:accent5>
+      <a:accent6>
+        <a:srgbClr val="F79646"/>
+      </a:accent6>
+      <a:hlink>
+        <a:srgbClr val="0000FF"/>
+      </a:hlink>
+      <a:folHlink>
+        <a:srgbClr val="800080"/>
+      </a:folHlink>
+    </a:clrScheme>
+    <a:fontScheme name="Office">
+      <a:majorFont>
+        <a:latin typeface="Arial"/>
+        <a:ea typeface="DejaVu Sans"/>
+        <a:cs typeface="DejaVu Sans"/>
+      </a:majorFont>
+      <a:minorFont>
+        <a:latin typeface="Arial"/>
+        <a:ea typeface="DejaVu Sans"/>
+        <a:cs typeface="DejaVu Sans"/>
+      </a:minorFont>
+    </a:fontScheme>
+    <a:fmtScheme name="Office">
+      <a:fillStyleLst>
+        <a:solidFill>
+          <a:schemeClr val="phClr"/>
+        </a:solidFill>
+        <a:gradFill rotWithShape="1">
+          <a:gsLst>
+            <a:gs pos="0">
+              <a:schemeClr val="phClr">
+                <a:tint val="50000"/>
+                <a:satMod val="300000"/>
+              </a:schemeClr>
+            </a:gs>
+            <a:gs pos="35000">
+              <a:schemeClr val="phClr">
+                <a:tint val="37000"/>
+                <a:satMod val="300000"/>
+              </a:schemeClr>
+            </a:gs>
+            <a:gs pos="100000">
+              <a:schemeClr val="phClr">
+                <a:tint val="15000"/>
+                <a:satMod val="350000"/>
+              </a:schemeClr>
+            </a:gs>
+          </a:gsLst>
+          <a:lin ang="16200000" scaled="1"/>
+        </a:gradFill>
+        <a:gradFill rotWithShape="1">
+          <a:gsLst>
+            <a:gs pos="0">
+              <a:schemeClr val="phClr">
+                <a:shade val="51000"/>
+                <a:satMod val="130000"/>
+              </a:schemeClr>
+            </a:gs>
+            <a:gs pos="80000">
+              <a:schemeClr val="phClr">
+                <a:shade val="93000"/>
+                <a:satMod val="130000"/>
+              </a:schemeClr>
+            </a:gs>
+            <a:gs pos="100000">
+              <a:schemeClr val="phClr">
+                <a:shade val="94000"/>
+                <a:satMod val="135000"/>
+              </a:schemeClr>
+            </a:gs>
+          </a:gsLst>
+          <a:lin ang="16200000" scaled="0"/>
+        </a:gradFill>
+      </a:fillStyleLst>
+      <a:lnStyleLst>
+        <a:ln w="9525" cap="flat" cmpd="sng" algn="ctr">
+          <a:solidFill>
+            <a:schemeClr val="phClr">
+              <a:shade val="95000"/>
+              <a:satMod val="105000"/>
+            </a:schemeClr>
+          </a:solidFill>
+          <a:prstDash val="solid"/>
+        </a:ln>
+        <a:ln w="25400" cap="flat" cmpd="sng" algn="ctr">
+          <a:solidFill>
+            <a:schemeClr val="phClr"/>
+          </a:solidFill>
+          <a:prstDash val="solid"/>
+        </a:ln>
+        <a:ln w="38100" cap="flat" cmpd="sng" algn="ctr">
+          <a:solidFill>
+            <a:schemeClr val="phClr"/>
+          </a:solidFill>
+          <a:prstDash val="solid"/>
+        </a:ln>
+      </a:lnStyleLst>
+      <a:effectStyleLst>
+        <a:effectStyle>
+          <a:effectLst>
+            <a:outerShdw blurRad="40000" dist="20000" dir="5400000" rotWithShape="0">
+              <a:srgbClr val="000000">
+                <a:alpha val="38000"/>
+              </a:srgbClr>
+            </a:outerShdw>
+          </a:effectLst>
+        </a:effectStyle>
+        <a:effectStyle>
+          <a:effectLst>
+            <a:outerShdw blurRad="40000" dist="23000" dir="5400000" rotWithShape="0">
+              <a:srgbClr val="000000">
+                <a:alpha val="35000"/>
+              </a:srgbClr>
+            </a:outerShdw>
+          </a:effectLst>
+        </a:effectStyle>
+        <a:effectStyle>
+          <a:effectLst>
+            <a:outerShdw blurRad="40000" dist="23000" dir="5400000" rotWithShape="0">
+              <a:srgbClr val="000000">
+                <a:alpha val="35000"/>
+              </a:srgbClr>
+            </a:outerShdw>
+          </a:effectLst>
+          <a:scene3d>
+            <a:camera prst="orthographicFront">
+              <a:rot lat="0" lon="0" rev="0"/>
+            </a:camera>
+            <a:lightRig rig="threePt" dir="t">
+              <a:rot lat="0" lon="0" rev="1200000"/>
+            </a:lightRig>
+          </a:scene3d>
+          <a:sp3d>
+            <a:bevelT w="63500" h="25400"/>
+          </a:sp3d>
+        </a:effectStyle>
+      </a:effectStyleLst>
+      <a:bgFillStyleLst>
+        <a:solidFill>
+          <a:schemeClr val="phClr"/>
+        </a:solidFill>
+        <a:gradFill rotWithShape="1">
+          <a:gsLst>
+            <a:gs pos="0">
+              <a:schemeClr val="phClr">
+                <a:tint val="40000"/>
+                <a:satMod val="350000"/>
+              </a:schemeClr>
+            </a:gs>
+            <a:gs pos="40000">
+              <a:schemeClr val="phClr">
+                <a:tint val="45000"/>
+                <a:shade val="99000"/>
+                <a:satMod val="350000"/>
+              </a:schemeClr>
+            </a:gs>
+            <a:gs pos="100000">
+              <a:schemeClr val="phClr">
+                <a:shade val="20000"/>
+                <a:satMod val="255000"/>
+              </a:schemeClr>
+            </a:gs>
+          </a:gsLst>
+          <a:path path="circle">
+            <a:fillToRect l="50000" t="-80000" r="50000" b="180000"/>
+          </a:path>
+        </a:gradFill>
+        <a:gradFill rotWithShape="1">
+          <a:gsLst>
+            <a:gs pos="0">
+              <a:schemeClr val="phClr">
+                <a:tint val="80000"/>
+                <a:satMod val="300000"/>
+              </a:schemeClr>
+            </a:gs>
+            <a:gs pos="100000">
+              <a:schemeClr val="phClr">
+                <a:shade val="30000"/>
+                <a:satMod val="200000"/>
+              </a:schemeClr>
+            </a:gs>
+          </a:gsLst>
+          <a:path path="circle">
+            <a:fillToRect l="50000" t="50000" r="50000" b="50000"/>
+          </a:path>
+        </a:gradFill>
+      </a:bgFillStyleLst>
+    </a:fmtScheme>
+  </a:themeElements>
+</a:theme>
+</file>
+
+<file path=ppt/theme/theme3.xml><?xml version="1.0" encoding="utf-8"?>
+<a:theme xmlns:a="http://schemas.openxmlformats.org/drawingml/2006/main" name="Office Theme">
+  <a:themeElements>
+    <a:clrScheme name="Office">
+      <a:dk1>
+        <a:sysClr val="windowText" lastClr="000000"/>
+      </a:dk1>
+      <a:lt1>
+        <a:sysClr val="window" lastClr="FFFFFF"/>
+      </a:lt1>
+      <a:dk2>
+        <a:srgbClr val="1F497D"/>
+      </a:dk2>
+      <a:lt2>
+        <a:srgbClr val="EEECE1"/>
+      </a:lt2>
+      <a:accent1>
+        <a:srgbClr val="4F81BD"/>
+      </a:accent1>
+      <a:accent2>
+        <a:srgbClr val="C0504D"/>
+      </a:accent2>
+      <a:accent3>
+        <a:srgbClr val="9BBB59"/>
+      </a:accent3>
+      <a:accent4>
+        <a:srgbClr val="8064A2"/>
+      </a:accent4>
+      <a:accent5>
+        <a:srgbClr val="4BACC6"/>
+      </a:accent5>
+      <a:accent6>
+        <a:srgbClr val="F79646"/>
+      </a:accent6>
+      <a:hlink>
+        <a:srgbClr val="0000FF"/>
+      </a:hlink>
+      <a:folHlink>
+        <a:srgbClr val="800080"/>
+      </a:folHlink>
+    </a:clrScheme>
+    <a:fontScheme name="Office">
+      <a:majorFont>
+        <a:latin typeface="Arial"/>
+        <a:ea typeface="DejaVu Sans"/>
+        <a:cs typeface="DejaVu Sans"/>
+      </a:majorFont>
+      <a:minorFont>
+        <a:latin typeface="Arial"/>
+        <a:ea typeface="DejaVu Sans"/>
+        <a:cs typeface="DejaVu Sans"/>
+      </a:minorFont>
+    </a:fontScheme>
+    <a:fmtScheme name="Office">
+      <a:fillStyleLst>
+        <a:solidFill>
+          <a:schemeClr val="phClr"/>
+        </a:solidFill>
+        <a:gradFill rotWithShape="1">
+          <a:gsLst>
+            <a:gs pos="0">
+              <a:schemeClr val="phClr">
+                <a:tint val="50000"/>
+                <a:satMod val="300000"/>
+              </a:schemeClr>
+            </a:gs>
+            <a:gs pos="35000">
+              <a:schemeClr val="phClr">
+                <a:tint val="37000"/>
+                <a:satMod val="300000"/>
+              </a:schemeClr>
+            </a:gs>
+            <a:gs pos="100000">
+              <a:schemeClr val="phClr">
+                <a:tint val="15000"/>
+                <a:satMod val="350000"/>
+              </a:schemeClr>
+            </a:gs>
+          </a:gsLst>
+          <a:lin ang="16200000" scaled="1"/>
+        </a:gradFill>
+        <a:gradFill rotWithShape="1">
+          <a:gsLst>
+            <a:gs pos="0">
+              <a:schemeClr val="phClr">
+                <a:shade val="51000"/>
+                <a:satMod val="130000"/>
+              </a:schemeClr>
+            </a:gs>
+            <a:gs pos="80000">
+              <a:schemeClr val="phClr">
+                <a:shade val="93000"/>
+                <a:satMod val="130000"/>
+              </a:schemeClr>
+            </a:gs>
+            <a:gs pos="100000">
+              <a:schemeClr val="phClr">
+                <a:shade val="94000"/>
+                <a:satMod val="135000"/>
+              </a:schemeClr>
+            </a:gs>
+          </a:gsLst>
+          <a:lin ang="16200000" scaled="0"/>
+        </a:gradFill>
+      </a:fillStyleLst>
+      <a:lnStyleLst>
+        <a:ln w="9525" cap="flat" cmpd="sng" algn="ctr">
+          <a:solidFill>
+            <a:schemeClr val="phClr">
+              <a:shade val="95000"/>
+              <a:satMod val="105000"/>
+            </a:schemeClr>
+          </a:solidFill>
+          <a:prstDash val="solid"/>
+        </a:ln>
+        <a:ln w="25400" cap="flat" cmpd="sng" algn="ctr">
+          <a:solidFill>
+            <a:schemeClr val="phClr"/>
+          </a:solidFill>
+          <a:prstDash val="solid"/>
+        </a:ln>
+        <a:ln w="38100" cap="flat" cmpd="sng" algn="ctr">
+          <a:solidFill>
+            <a:schemeClr val="phClr"/>
+          </a:solidFill>
+          <a:prstDash val="solid"/>
+        </a:ln>
+      </a:lnStyleLst>
+      <a:effectStyleLst>
+        <a:effectStyle>
+          <a:effectLst>
+            <a:outerShdw blurRad="40000" dist="20000" dir="5400000" rotWithShape="0">
+              <a:srgbClr val="000000">
+                <a:alpha val="38000"/>
+              </a:srgbClr>
+            </a:outerShdw>
+          </a:effectLst>
+        </a:effectStyle>
+        <a:effectStyle>
+          <a:effectLst>
+            <a:outerShdw blurRad="40000" dist="23000" dir="5400000" rotWithShape="0">
+              <a:srgbClr val="000000">
+                <a:alpha val="35000"/>
+              </a:srgbClr>
+            </a:outerShdw>
+          </a:effectLst>
+        </a:effectStyle>
+        <a:effectStyle>
+          <a:effectLst>
+            <a:outerShdw blurRad="40000" dist="23000" dir="5400000" rotWithShape="0">
+              <a:srgbClr val="000000">
+                <a:alpha val="35000"/>
+              </a:srgbClr>
+            </a:outerShdw>
+          </a:effectLst>
+          <a:scene3d>
+            <a:camera prst="orthographicFront">
+              <a:rot lat="0" lon="0" rev="0"/>
+            </a:camera>
+            <a:lightRig rig="threePt" dir="t">
+              <a:rot lat="0" lon="0" rev="1200000"/>
+            </a:lightRig>
+          </a:scene3d>
+          <a:sp3d>
+            <a:bevelT w="63500" h="25400"/>
+          </a:sp3d>
+        </a:effectStyle>
+      </a:effectStyleLst>
+      <a:bgFillStyleLst>
+        <a:solidFill>
+          <a:schemeClr val="phClr"/>
+        </a:solidFill>
+        <a:gradFill rotWithShape="1">
+          <a:gsLst>
+            <a:gs pos="0">
+              <a:schemeClr val="phClr">
+                <a:tint val="40000"/>
+                <a:satMod val="350000"/>
+              </a:schemeClr>
+            </a:gs>
+            <a:gs pos="40000">
+              <a:schemeClr val="phClr">
+                <a:tint val="45000"/>
+                <a:shade val="99000"/>
+                <a:satMod val="350000"/>
+              </a:schemeClr>
+            </a:gs>
+            <a:gs pos="100000">
+              <a:schemeClr val="phClr">
+                <a:shade val="20000"/>
+                <a:satMod val="255000"/>
+              </a:schemeClr>
+            </a:gs>
+          </a:gsLst>
+          <a:path path="circle">
+            <a:fillToRect l="50000" t="-80000" r="50000" b="180000"/>
+          </a:path>
+        </a:gradFill>
+        <a:gradFill rotWithShape="1">
+          <a:gsLst>
+            <a:gs pos="0">
+              <a:schemeClr val="phClr">
+                <a:tint val="80000"/>
+                <a:satMod val="300000"/>
+              </a:schemeClr>
+            </a:gs>
+            <a:gs pos="100000">
+              <a:schemeClr val="phClr">
+                <a:shade val="30000"/>
+                <a:satMod val="200000"/>
+              </a:schemeClr>
+            </a:gs>
+          </a:gsLst>
+          <a:path path="circle">
+            <a:fillToRect l="50000" t="50000" r="50000" b="50000"/>
+          </a:path>
+        </a:gradFill>
+      </a:bgFillStyleLst>
+    </a:fmtScheme>
+  </a:themeElements>
+</a:theme>
 </file>